--- a/lectures/CSE8AW20-01-14-Lec3-Booleans-If/CSE8AW20-01-09-Lec3-Booleans-If-slides.pptx
+++ b/lectures/CSE8AW20-01-14-Lec3-Booleans-If/CSE8AW20-01-09-Lec3-Booleans-If-slides.pptx
@@ -3838,8 +3838,13 @@
           <a:p>
             <a:r>
               <a:rPr lang="en-US" dirty="0"/>
-              <a:t>Lecture Jan 09, Functions</a:t>
-            </a:r>
+              <a:t>Lecture Jan 14</a:t>
+            </a:r>
+            <a:r>
+              <a:rPr lang="en-US"/>
+              <a:t>, Booleans &amp; If</a:t>
+            </a:r>
+            <a:endParaRPr lang="en-US" dirty="0"/>
           </a:p>
         </p:txBody>
       </p:sp>
@@ -7661,6 +7666,37 @@
               <a:t>More office/lab hours this afternoon/early evening, ending at 6pm</a:t>
             </a:r>
           </a:p>
+          <a:p>
+            <a:endParaRPr lang="en-US" dirty="0">
+              <a:latin typeface="Calibri" panose="020F0502020204030204" pitchFamily="34" charset="0"/>
+              <a:cs typeface="Calibri" panose="020F0502020204030204" pitchFamily="34" charset="0"/>
+            </a:endParaRPr>
+          </a:p>
+          <a:p>
+            <a:r>
+              <a:rPr lang="en-US" dirty="0" err="1">
+                <a:latin typeface="Calibri" panose="020F0502020204030204" pitchFamily="34" charset="0"/>
+                <a:cs typeface="Calibri" panose="020F0502020204030204" pitchFamily="34" charset="0"/>
+              </a:rPr>
+              <a:t>Stepik</a:t>
+            </a:r>
+            <a:r>
+              <a:rPr lang="en-US" dirty="0">
+                <a:latin typeface="Calibri" panose="020F0502020204030204" pitchFamily="34" charset="0"/>
+                <a:cs typeface="Calibri" panose="020F0502020204030204" pitchFamily="34" charset="0"/>
+              </a:rPr>
+              <a:t> assignment released after class, due Friday 5pm</a:t>
+            </a:r>
+          </a:p>
+          <a:p>
+            <a:r>
+              <a:rPr lang="en-US" dirty="0">
+                <a:latin typeface="Calibri" panose="020F0502020204030204" pitchFamily="34" charset="0"/>
+                <a:cs typeface="Calibri" panose="020F0502020204030204" pitchFamily="34" charset="0"/>
+              </a:rPr>
+              <a:t>PA2 released Wednesday, due next Tuesday</a:t>
+            </a:r>
+          </a:p>
         </p:txBody>
       </p:sp>
     </p:spTree>
@@ -7764,13 +7800,8 @@
             </a:pPr>
             <a:r>
               <a:rPr lang="en-US" dirty="0"/>
-              <a:t>Let's try writing </a:t>
-            </a:r>
-            <a:r>
-              <a:rPr lang="en-US"/>
-              <a:t>the function.</a:t>
-            </a:r>
-            <a:endParaRPr lang="en-US" dirty="0"/>
+              <a:t>Let's try writing the function.</a:t>
+            </a:r>
           </a:p>
         </p:txBody>
       </p:sp>
@@ -7850,13 +7881,13 @@
         </p:nvSpPr>
         <p:spPr>
           <a:xfrm>
-            <a:off x="838200" y="1825625"/>
-            <a:ext cx="5550568" cy="4351338"/>
+            <a:off x="838199" y="1825625"/>
+            <a:ext cx="10515599" cy="4351338"/>
           </a:xfrm>
         </p:spPr>
         <p:txBody>
           <a:bodyPr>
-            <a:normAutofit fontScale="92500"/>
+            <a:normAutofit/>
           </a:bodyPr>
           <a:lstStyle/>
           <a:p>

--- a/lectures/CSE8AW20-01-14-Lec3-Booleans-If/CSE8AW20-01-09-Lec3-Booleans-If-slides.pptx
+++ b/lectures/CSE8AW20-01-14-Lec3-Booleans-If/CSE8AW20-01-09-Lec3-Booleans-If-slides.pptx
@@ -216,7 +216,7 @@
           <a:p>
             <a:fld id="{FA117288-13F6-A645-A1EE-CC48E87078BF}" type="datetimeFigureOut">
               <a:rPr lang="en-US" smtClean="0"/>
-              <a:t>1/9/20</a:t>
+              <a:t>1/14/20</a:t>
             </a:fld>
             <a:endParaRPr lang="en-US"/>
           </a:p>
@@ -714,7 +714,7 @@
           <a:p>
             <a:fld id="{CBA7B51C-4A64-5C42-B93F-3A6373E2DB39}" type="datetimeFigureOut">
               <a:rPr lang="en-US" smtClean="0"/>
-              <a:t>1/9/20</a:t>
+              <a:t>1/14/20</a:t>
             </a:fld>
             <a:endParaRPr lang="en-US"/>
           </a:p>
@@ -912,7 +912,7 @@
           <a:p>
             <a:fld id="{CBA7B51C-4A64-5C42-B93F-3A6373E2DB39}" type="datetimeFigureOut">
               <a:rPr lang="en-US" smtClean="0"/>
-              <a:t>1/9/20</a:t>
+              <a:t>1/14/20</a:t>
             </a:fld>
             <a:endParaRPr lang="en-US"/>
           </a:p>
@@ -1120,7 +1120,7 @@
           <a:p>
             <a:fld id="{CBA7B51C-4A64-5C42-B93F-3A6373E2DB39}" type="datetimeFigureOut">
               <a:rPr lang="en-US" smtClean="0"/>
-              <a:t>1/9/20</a:t>
+              <a:t>1/14/20</a:t>
             </a:fld>
             <a:endParaRPr lang="en-US"/>
           </a:p>
@@ -1318,7 +1318,7 @@
           <a:p>
             <a:fld id="{CBA7B51C-4A64-5C42-B93F-3A6373E2DB39}" type="datetimeFigureOut">
               <a:rPr lang="en-US" smtClean="0"/>
-              <a:t>1/9/20</a:t>
+              <a:t>1/14/20</a:t>
             </a:fld>
             <a:endParaRPr lang="en-US"/>
           </a:p>
@@ -1593,7 +1593,7 @@
           <a:p>
             <a:fld id="{CBA7B51C-4A64-5C42-B93F-3A6373E2DB39}" type="datetimeFigureOut">
               <a:rPr lang="en-US" smtClean="0"/>
-              <a:t>1/9/20</a:t>
+              <a:t>1/14/20</a:t>
             </a:fld>
             <a:endParaRPr lang="en-US"/>
           </a:p>
@@ -1858,7 +1858,7 @@
           <a:p>
             <a:fld id="{CBA7B51C-4A64-5C42-B93F-3A6373E2DB39}" type="datetimeFigureOut">
               <a:rPr lang="en-US" smtClean="0"/>
-              <a:t>1/9/20</a:t>
+              <a:t>1/14/20</a:t>
             </a:fld>
             <a:endParaRPr lang="en-US"/>
           </a:p>
@@ -2270,7 +2270,7 @@
           <a:p>
             <a:fld id="{CBA7B51C-4A64-5C42-B93F-3A6373E2DB39}" type="datetimeFigureOut">
               <a:rPr lang="en-US" smtClean="0"/>
-              <a:t>1/9/20</a:t>
+              <a:t>1/14/20</a:t>
             </a:fld>
             <a:endParaRPr lang="en-US"/>
           </a:p>
@@ -2411,7 +2411,7 @@
           <a:p>
             <a:fld id="{CBA7B51C-4A64-5C42-B93F-3A6373E2DB39}" type="datetimeFigureOut">
               <a:rPr lang="en-US" smtClean="0"/>
-              <a:t>1/9/20</a:t>
+              <a:t>1/14/20</a:t>
             </a:fld>
             <a:endParaRPr lang="en-US"/>
           </a:p>
@@ -2524,7 +2524,7 @@
           <a:p>
             <a:fld id="{CBA7B51C-4A64-5C42-B93F-3A6373E2DB39}" type="datetimeFigureOut">
               <a:rPr lang="en-US" smtClean="0"/>
-              <a:t>1/9/20</a:t>
+              <a:t>1/14/20</a:t>
             </a:fld>
             <a:endParaRPr lang="en-US"/>
           </a:p>
@@ -2835,7 +2835,7 @@
           <a:p>
             <a:fld id="{CBA7B51C-4A64-5C42-B93F-3A6373E2DB39}" type="datetimeFigureOut">
               <a:rPr lang="en-US" smtClean="0"/>
-              <a:t>1/9/20</a:t>
+              <a:t>1/14/20</a:t>
             </a:fld>
             <a:endParaRPr lang="en-US"/>
           </a:p>
@@ -3123,7 +3123,7 @@
           <a:p>
             <a:fld id="{CBA7B51C-4A64-5C42-B93F-3A6373E2DB39}" type="datetimeFigureOut">
               <a:rPr lang="en-US" smtClean="0"/>
-              <a:t>1/9/20</a:t>
+              <a:t>1/14/20</a:t>
             </a:fld>
             <a:endParaRPr lang="en-US"/>
           </a:p>
@@ -3364,7 +3364,7 @@
           <a:p>
             <a:fld id="{CBA7B51C-4A64-5C42-B93F-3A6373E2DB39}" type="datetimeFigureOut">
               <a:rPr lang="en-US" smtClean="0"/>
-              <a:t>1/9/20</a:t>
+              <a:t>1/14/20</a:t>
             </a:fld>
             <a:endParaRPr lang="en-US"/>
           </a:p>
@@ -3838,13 +3838,8 @@
           <a:p>
             <a:r>
               <a:rPr lang="en-US" dirty="0"/>
-              <a:t>Lecture Jan 14</a:t>
-            </a:r>
-            <a:r>
-              <a:rPr lang="en-US"/>
-              <a:t>, Booleans &amp; If</a:t>
-            </a:r>
-            <a:endParaRPr lang="en-US" dirty="0"/>
+              <a:t>Lecture Jan 14, Booleans &amp; If</a:t>
+            </a:r>
           </a:p>
         </p:txBody>
       </p:sp>
@@ -3924,7 +3919,9 @@
         </p:nvSpPr>
         <p:spPr/>
         <p:txBody>
-          <a:bodyPr/>
+          <a:bodyPr>
+            <a:normAutofit fontScale="92500" lnSpcReduction="10000"/>
+          </a:bodyPr>
           <a:lstStyle/>
           <a:p>
             <a:pPr marL="0" indent="0">
@@ -4007,6 +4004,26 @@
               <a:rPr lang="en-US" dirty="0"/>
               <a:t>A and B only</a:t>
             </a:r>
+          </a:p>
+          <a:p>
+            <a:pPr marL="514350" indent="-514350">
+              <a:buFont typeface="+mj-lt"/>
+              <a:buAutoNum type="alphaUcPeriod"/>
+            </a:pPr>
+            <a:r>
+              <a:rPr lang="en-US" dirty="0">
+                <a:latin typeface="Consolas" panose="020B0609020204030204" pitchFamily="49" charset="0"/>
+                <a:cs typeface="Consolas" panose="020B0609020204030204" pitchFamily="49" charset="0"/>
+              </a:rPr>
+              <a:t>(a &gt;= 20) or (a &gt;= 10) # True for problem as worded, BUT not same behavior as A/B for all values of a</a:t>
+            </a:r>
+          </a:p>
+          <a:p>
+            <a:pPr marL="514350" indent="-514350">
+              <a:buFont typeface="+mj-lt"/>
+              <a:buAutoNum type="alphaUcPeriod"/>
+            </a:pPr>
+            <a:endParaRPr lang="en-US" dirty="0"/>
           </a:p>
         </p:txBody>
       </p:sp>
@@ -4686,6 +4703,63 @@
               <a:cs typeface="Calibri" panose="020F0502020204030204" pitchFamily="34" charset="0"/>
             </a:endParaRPr>
           </a:p>
+          <a:p>
+            <a:pPr marL="0" indent="0">
+              <a:buNone/>
+            </a:pPr>
+            <a:r>
+              <a:rPr lang="en-US" dirty="0" err="1">
+                <a:latin typeface="Calibri" panose="020F0502020204030204" pitchFamily="34" charset="0"/>
+                <a:cs typeface="Calibri" panose="020F0502020204030204" pitchFamily="34" charset="0"/>
+              </a:rPr>
+              <a:t>is_longer_than</a:t>
+            </a:r>
+            <a:r>
+              <a:rPr lang="en-US" dirty="0">
+                <a:latin typeface="Calibri" panose="020F0502020204030204" pitchFamily="34" charset="0"/>
+                <a:cs typeface="Calibri" panose="020F0502020204030204" pitchFamily="34" charset="0"/>
+              </a:rPr>
+              <a:t>("pa$$w0rd", 8) # expect False</a:t>
+            </a:r>
+          </a:p>
+          <a:p>
+            <a:pPr marL="0" indent="0">
+              <a:buNone/>
+            </a:pPr>
+            <a:r>
+              <a:rPr lang="en-US" dirty="0" err="1">
+                <a:latin typeface="Calibri" panose="020F0502020204030204" pitchFamily="34" charset="0"/>
+                <a:cs typeface="Calibri" panose="020F0502020204030204" pitchFamily="34" charset="0"/>
+              </a:rPr>
+              <a:t>is_longer_than</a:t>
+            </a:r>
+            <a:r>
+              <a:rPr lang="en-US" dirty="0">
+                <a:latin typeface="Calibri" panose="020F0502020204030204" pitchFamily="34" charset="0"/>
+                <a:cs typeface="Calibri" panose="020F0502020204030204" pitchFamily="34" charset="0"/>
+              </a:rPr>
+              <a:t>("pa$$w0rd", 7) # expect True</a:t>
+            </a:r>
+          </a:p>
+          <a:p>
+            <a:pPr marL="0" indent="0">
+              <a:buNone/>
+            </a:pPr>
+            <a:r>
+              <a:rPr lang="en-US" dirty="0" err="1">
+                <a:latin typeface="Calibri" panose="020F0502020204030204" pitchFamily="34" charset="0"/>
+                <a:cs typeface="Calibri" panose="020F0502020204030204" pitchFamily="34" charset="0"/>
+              </a:rPr>
+              <a:t>is_longer_than</a:t>
+            </a:r>
+            <a:r>
+              <a:rPr lang="en-US" dirty="0">
+                <a:latin typeface="Calibri" panose="020F0502020204030204" pitchFamily="34" charset="0"/>
+                <a:cs typeface="Calibri" panose="020F0502020204030204" pitchFamily="34" charset="0"/>
+              </a:rPr>
+              <a:t>("pa$$", 10) # expect False</a:t>
+            </a:r>
+          </a:p>
         </p:txBody>
       </p:sp>
     </p:spTree>
@@ -4804,6 +4878,81 @@
               <a:rPr lang="en-US" dirty="0"/>
               <a:t>Now let's try writing the function.</a:t>
             </a:r>
+            <a:endParaRPr lang="en-US" dirty="0">
+              <a:latin typeface="Calibri" panose="020F0502020204030204" pitchFamily="34" charset="0"/>
+              <a:cs typeface="Calibri" panose="020F0502020204030204" pitchFamily="34" charset="0"/>
+            </a:endParaRPr>
+          </a:p>
+          <a:p>
+            <a:pPr marL="0" indent="0">
+              <a:buNone/>
+            </a:pPr>
+            <a:r>
+              <a:rPr lang="en-US" dirty="0" err="1">
+                <a:latin typeface="Calibri" panose="020F0502020204030204" pitchFamily="34" charset="0"/>
+                <a:cs typeface="Calibri" panose="020F0502020204030204" pitchFamily="34" charset="0"/>
+              </a:rPr>
+              <a:t>is_longer_than</a:t>
+            </a:r>
+            <a:r>
+              <a:rPr lang="en-US" dirty="0">
+                <a:latin typeface="Calibri" panose="020F0502020204030204" pitchFamily="34" charset="0"/>
+                <a:cs typeface="Calibri" panose="020F0502020204030204" pitchFamily="34" charset="0"/>
+              </a:rPr>
+              <a:t>("pa$$w0rd", 8) # expect False</a:t>
+            </a:r>
+          </a:p>
+          <a:p>
+            <a:pPr marL="0" indent="0">
+              <a:buNone/>
+            </a:pPr>
+            <a:r>
+              <a:rPr lang="en-US" dirty="0" err="1">
+                <a:latin typeface="Calibri" panose="020F0502020204030204" pitchFamily="34" charset="0"/>
+                <a:cs typeface="Calibri" panose="020F0502020204030204" pitchFamily="34" charset="0"/>
+              </a:rPr>
+              <a:t>is_longer_than</a:t>
+            </a:r>
+            <a:r>
+              <a:rPr lang="en-US" dirty="0">
+                <a:latin typeface="Calibri" panose="020F0502020204030204" pitchFamily="34" charset="0"/>
+                <a:cs typeface="Calibri" panose="020F0502020204030204" pitchFamily="34" charset="0"/>
+              </a:rPr>
+              <a:t>("pa$$w0rd", 7) # expect True</a:t>
+            </a:r>
+          </a:p>
+          <a:p>
+            <a:pPr marL="0" indent="0">
+              <a:buNone/>
+            </a:pPr>
+            <a:r>
+              <a:rPr lang="en-US" dirty="0" err="1">
+                <a:latin typeface="Calibri" panose="020F0502020204030204" pitchFamily="34" charset="0"/>
+                <a:cs typeface="Calibri" panose="020F0502020204030204" pitchFamily="34" charset="0"/>
+              </a:rPr>
+              <a:t>is_longer_than</a:t>
+            </a:r>
+            <a:r>
+              <a:rPr lang="en-US" dirty="0">
+                <a:latin typeface="Calibri" panose="020F0502020204030204" pitchFamily="34" charset="0"/>
+                <a:cs typeface="Calibri" panose="020F0502020204030204" pitchFamily="34" charset="0"/>
+              </a:rPr>
+              <a:t>("pa$$", 10) # expect False</a:t>
+            </a:r>
+          </a:p>
+          <a:p>
+            <a:pPr marL="0" indent="0">
+              <a:buNone/>
+            </a:pPr>
+            <a:endParaRPr lang="en-US" dirty="0">
+              <a:latin typeface="Calibri" panose="020F0502020204030204" pitchFamily="34" charset="0"/>
+              <a:cs typeface="Calibri" panose="020F0502020204030204" pitchFamily="34" charset="0"/>
+            </a:endParaRPr>
+          </a:p>
+          <a:p>
+            <a:pPr marL="0" indent="0">
+              <a:buNone/>
+            </a:pPr>
             <a:endParaRPr lang="en-US" dirty="0">
               <a:latin typeface="Calibri" panose="020F0502020204030204" pitchFamily="34" charset="0"/>
               <a:cs typeface="Calibri" panose="020F0502020204030204" pitchFamily="34" charset="0"/>
@@ -5984,7 +6133,24 @@
                 <a:latin typeface="Consolas" panose="020B0609020204030204" pitchFamily="49" charset="0"/>
                 <a:cs typeface="Consolas" panose="020B0609020204030204" pitchFamily="49" charset="0"/>
               </a:rPr>
-              <a:t>if n &lt; 0: return n * -1</a:t>
+              <a:t>if </a:t>
+            </a:r>
+            <a:r>
+              <a:rPr lang="en-US" sz="1600" b="1" dirty="0">
+                <a:highlight>
+                  <a:srgbClr val="00FF00"/>
+                </a:highlight>
+                <a:latin typeface="Consolas" panose="020B0609020204030204" pitchFamily="49" charset="0"/>
+                <a:cs typeface="Consolas" panose="020B0609020204030204" pitchFamily="49" charset="0"/>
+              </a:rPr>
+              <a:t>n &lt; 0</a:t>
+            </a:r>
+            <a:r>
+              <a:rPr lang="en-US" sz="1600" b="1" dirty="0">
+                <a:latin typeface="Consolas" panose="020B0609020204030204" pitchFamily="49" charset="0"/>
+                <a:cs typeface="Consolas" panose="020B0609020204030204" pitchFamily="49" charset="0"/>
+              </a:rPr>
+              <a:t>: return n * -1</a:t>
             </a:r>
           </a:p>
           <a:p>
@@ -6455,6 +6621,9 @@
             </a:r>
             <a:r>
               <a:rPr lang="en-US" sz="1600" b="1" dirty="0">
+                <a:highlight>
+                  <a:srgbClr val="00FF00"/>
+                </a:highlight>
                 <a:latin typeface="Consolas" panose="020B0609020204030204" pitchFamily="49" charset="0"/>
                 <a:cs typeface="Consolas" panose="020B0609020204030204" pitchFamily="49" charset="0"/>
               </a:rPr>
@@ -6474,7 +6643,17 @@
                 <a:latin typeface="Consolas" panose="020B0609020204030204" pitchFamily="49" charset="0"/>
                 <a:cs typeface="Consolas" panose="020B0609020204030204" pitchFamily="49" charset="0"/>
               </a:rPr>
-              <a:t>else: return n</a:t>
+              <a:t>else: </a:t>
+            </a:r>
+            <a:r>
+              <a:rPr lang="en-US" sz="1600" dirty="0">
+                <a:highlight>
+                  <a:srgbClr val="00FFFF"/>
+                </a:highlight>
+                <a:latin typeface="Consolas" panose="020B0609020204030204" pitchFamily="49" charset="0"/>
+                <a:cs typeface="Consolas" panose="020B0609020204030204" pitchFamily="49" charset="0"/>
+              </a:rPr>
+              <a:t>return n</a:t>
             </a:r>
           </a:p>
         </p:txBody>
@@ -6845,6 +7024,9 @@
           <a:p>
             <a:r>
               <a:rPr lang="en-US" sz="1600" dirty="0">
+                <a:highlight>
+                  <a:srgbClr val="00FFFF"/>
+                </a:highlight>
                 <a:latin typeface="Consolas" panose="020B0609020204030204" pitchFamily="49" charset="0"/>
                 <a:cs typeface="Consolas" panose="020B0609020204030204" pitchFamily="49" charset="0"/>
               </a:rPr>
@@ -7157,6 +7339,1706 @@
                 <a:cs typeface="Consolas" panose="020B0609020204030204" pitchFamily="49" charset="0"/>
               </a:rPr>
               <a:t>n : 7</a:t>
+            </a:r>
+          </a:p>
+        </p:txBody>
+      </p:sp>
+      <p:sp>
+        <p:nvSpPr>
+          <p:cNvPr id="30" name="Rectangle 29">
+            <a:extLst>
+              <a:ext uri="{FF2B5EF4-FFF2-40B4-BE49-F238E27FC236}">
+                <a16:creationId xmlns:a16="http://schemas.microsoft.com/office/drawing/2014/main" id="{24661317-64EA-B542-A770-13B6B94F5BA4}"/>
+              </a:ext>
+            </a:extLst>
+          </p:cNvPr>
+          <p:cNvSpPr/>
+          <p:nvPr/>
+        </p:nvSpPr>
+        <p:spPr>
+          <a:xfrm>
+            <a:off x="370610" y="4872742"/>
+            <a:ext cx="1489364" cy="338554"/>
+          </a:xfrm>
+          <a:custGeom>
+            <a:avLst/>
+            <a:gdLst>
+              <a:gd name="connsiteX0" fmla="*/ 0 w 1489364"/>
+              <a:gd name="connsiteY0" fmla="*/ 0 h 338554"/>
+              <a:gd name="connsiteX1" fmla="*/ 526242 w 1489364"/>
+              <a:gd name="connsiteY1" fmla="*/ 0 h 338554"/>
+              <a:gd name="connsiteX2" fmla="*/ 1037590 w 1489364"/>
+              <a:gd name="connsiteY2" fmla="*/ 0 h 338554"/>
+              <a:gd name="connsiteX3" fmla="*/ 1489364 w 1489364"/>
+              <a:gd name="connsiteY3" fmla="*/ 0 h 338554"/>
+              <a:gd name="connsiteX4" fmla="*/ 1489364 w 1489364"/>
+              <a:gd name="connsiteY4" fmla="*/ 338554 h 338554"/>
+              <a:gd name="connsiteX5" fmla="*/ 1022697 w 1489364"/>
+              <a:gd name="connsiteY5" fmla="*/ 338554 h 338554"/>
+              <a:gd name="connsiteX6" fmla="*/ 526242 w 1489364"/>
+              <a:gd name="connsiteY6" fmla="*/ 338554 h 338554"/>
+              <a:gd name="connsiteX7" fmla="*/ 0 w 1489364"/>
+              <a:gd name="connsiteY7" fmla="*/ 338554 h 338554"/>
+              <a:gd name="connsiteX8" fmla="*/ 0 w 1489364"/>
+              <a:gd name="connsiteY8" fmla="*/ 0 h 338554"/>
+            </a:gdLst>
+            <a:ahLst/>
+            <a:cxnLst>
+              <a:cxn ang="0">
+                <a:pos x="connsiteX0" y="connsiteY0"/>
+              </a:cxn>
+              <a:cxn ang="0">
+                <a:pos x="connsiteX1" y="connsiteY1"/>
+              </a:cxn>
+              <a:cxn ang="0">
+                <a:pos x="connsiteX2" y="connsiteY2"/>
+              </a:cxn>
+              <a:cxn ang="0">
+                <a:pos x="connsiteX3" y="connsiteY3"/>
+              </a:cxn>
+              <a:cxn ang="0">
+                <a:pos x="connsiteX4" y="connsiteY4"/>
+              </a:cxn>
+              <a:cxn ang="0">
+                <a:pos x="connsiteX5" y="connsiteY5"/>
+              </a:cxn>
+              <a:cxn ang="0">
+                <a:pos x="connsiteX6" y="connsiteY6"/>
+              </a:cxn>
+              <a:cxn ang="0">
+                <a:pos x="connsiteX7" y="connsiteY7"/>
+              </a:cxn>
+              <a:cxn ang="0">
+                <a:pos x="connsiteX8" y="connsiteY8"/>
+              </a:cxn>
+            </a:cxnLst>
+            <a:rect l="l" t="t" r="r" b="b"/>
+            <a:pathLst>
+              <a:path w="1489364" h="338554" fill="none" extrusionOk="0">
+                <a:moveTo>
+                  <a:pt x="0" y="0"/>
+                </a:moveTo>
+                <a:cubicBezTo>
+                  <a:pt x="185327" y="-15832"/>
+                  <a:pt x="356074" y="2880"/>
+                  <a:pt x="526242" y="0"/>
+                </a:cubicBezTo>
+                <a:cubicBezTo>
+                  <a:pt x="696410" y="-2880"/>
+                  <a:pt x="928418" y="9939"/>
+                  <a:pt x="1037590" y="0"/>
+                </a:cubicBezTo>
+                <a:cubicBezTo>
+                  <a:pt x="1146762" y="-9939"/>
+                  <a:pt x="1293445" y="-6801"/>
+                  <a:pt x="1489364" y="0"/>
+                </a:cubicBezTo>
+                <a:cubicBezTo>
+                  <a:pt x="1496190" y="115344"/>
+                  <a:pt x="1495896" y="246378"/>
+                  <a:pt x="1489364" y="338554"/>
+                </a:cubicBezTo>
+                <a:cubicBezTo>
+                  <a:pt x="1390673" y="331935"/>
+                  <a:pt x="1151216" y="324374"/>
+                  <a:pt x="1022697" y="338554"/>
+                </a:cubicBezTo>
+                <a:cubicBezTo>
+                  <a:pt x="894178" y="352734"/>
+                  <a:pt x="681206" y="336593"/>
+                  <a:pt x="526242" y="338554"/>
+                </a:cubicBezTo>
+                <a:cubicBezTo>
+                  <a:pt x="371279" y="340515"/>
+                  <a:pt x="122802" y="364863"/>
+                  <a:pt x="0" y="338554"/>
+                </a:cubicBezTo>
+                <a:cubicBezTo>
+                  <a:pt x="-576" y="255260"/>
+                  <a:pt x="1568" y="159055"/>
+                  <a:pt x="0" y="0"/>
+                </a:cubicBezTo>
+                <a:close/>
+              </a:path>
+              <a:path w="1489364" h="338554" stroke="0" extrusionOk="0">
+                <a:moveTo>
+                  <a:pt x="0" y="0"/>
+                </a:moveTo>
+                <a:cubicBezTo>
+                  <a:pt x="208082" y="19434"/>
+                  <a:pt x="241694" y="12767"/>
+                  <a:pt x="481561" y="0"/>
+                </a:cubicBezTo>
+                <a:cubicBezTo>
+                  <a:pt x="721428" y="-12767"/>
+                  <a:pt x="818940" y="6205"/>
+                  <a:pt x="933335" y="0"/>
+                </a:cubicBezTo>
+                <a:cubicBezTo>
+                  <a:pt x="1047730" y="-6205"/>
+                  <a:pt x="1280942" y="-13646"/>
+                  <a:pt x="1489364" y="0"/>
+                </a:cubicBezTo>
+                <a:cubicBezTo>
+                  <a:pt x="1480930" y="98340"/>
+                  <a:pt x="1478479" y="172793"/>
+                  <a:pt x="1489364" y="338554"/>
+                </a:cubicBezTo>
+                <a:cubicBezTo>
+                  <a:pt x="1264179" y="337498"/>
+                  <a:pt x="1123840" y="359371"/>
+                  <a:pt x="1022697" y="338554"/>
+                </a:cubicBezTo>
+                <a:cubicBezTo>
+                  <a:pt x="921554" y="317737"/>
+                  <a:pt x="656451" y="338533"/>
+                  <a:pt x="496455" y="338554"/>
+                </a:cubicBezTo>
+                <a:cubicBezTo>
+                  <a:pt x="336459" y="338575"/>
+                  <a:pt x="204372" y="359653"/>
+                  <a:pt x="0" y="338554"/>
+                </a:cubicBezTo>
+                <a:cubicBezTo>
+                  <a:pt x="7027" y="256353"/>
+                  <a:pt x="-1773" y="77906"/>
+                  <a:pt x="0" y="0"/>
+                </a:cubicBezTo>
+                <a:close/>
+              </a:path>
+            </a:pathLst>
+          </a:custGeom>
+          <a:ln>
+            <a:solidFill>
+              <a:schemeClr val="tx1"/>
+            </a:solidFill>
+            <a:extLst>
+              <a:ext uri="{C807C97D-BFC1-408E-A445-0C87EB9F89A2}">
+                <ask:lineSketchStyleProps xmlns:ask="http://schemas.microsoft.com/office/drawing/2018/sketchyshapes" sd="1219033472">
+                  <a:prstGeom prst="rect">
+                    <a:avLst/>
+                  </a:prstGeom>
+                  <ask:type>
+                    <ask:lineSketchFreehand/>
+                  </ask:type>
+                </ask:lineSketchStyleProps>
+              </a:ext>
+            </a:extLst>
+          </a:ln>
+        </p:spPr>
+        <p:txBody>
+          <a:bodyPr wrap="square">
+            <a:spAutoFit/>
+          </a:bodyPr>
+          <a:lstStyle/>
+          <a:p>
+            <a:r>
+              <a:rPr lang="en-US" sz="1600" dirty="0" err="1">
+                <a:latin typeface="Consolas" panose="020B0609020204030204" pitchFamily="49" charset="0"/>
+                <a:cs typeface="Consolas" panose="020B0609020204030204" pitchFamily="49" charset="0"/>
+              </a:rPr>
+              <a:t>my_abs</a:t>
+            </a:r>
+            <a:r>
+              <a:rPr lang="en-US" sz="1600" dirty="0">
+                <a:latin typeface="Consolas" panose="020B0609020204030204" pitchFamily="49" charset="0"/>
+                <a:cs typeface="Consolas" panose="020B0609020204030204" pitchFamily="49" charset="0"/>
+              </a:rPr>
+              <a:t>(-3)</a:t>
+            </a:r>
+          </a:p>
+        </p:txBody>
+      </p:sp>
+      <p:sp>
+        <p:nvSpPr>
+          <p:cNvPr id="31" name="Rectangle 30">
+            <a:extLst>
+              <a:ext uri="{FF2B5EF4-FFF2-40B4-BE49-F238E27FC236}">
+                <a16:creationId xmlns:a16="http://schemas.microsoft.com/office/drawing/2014/main" id="{F891EB6C-D55B-744A-AAD8-5278B308609A}"/>
+              </a:ext>
+            </a:extLst>
+          </p:cNvPr>
+          <p:cNvSpPr/>
+          <p:nvPr/>
+        </p:nvSpPr>
+        <p:spPr>
+          <a:xfrm>
+            <a:off x="2105616" y="4871586"/>
+            <a:ext cx="3538616" cy="584775"/>
+          </a:xfrm>
+          <a:custGeom>
+            <a:avLst/>
+            <a:gdLst>
+              <a:gd name="connsiteX0" fmla="*/ 0 w 3538616"/>
+              <a:gd name="connsiteY0" fmla="*/ 0 h 584775"/>
+              <a:gd name="connsiteX1" fmla="*/ 660542 w 3538616"/>
+              <a:gd name="connsiteY1" fmla="*/ 0 h 584775"/>
+              <a:gd name="connsiteX2" fmla="*/ 1285697 w 3538616"/>
+              <a:gd name="connsiteY2" fmla="*/ 0 h 584775"/>
+              <a:gd name="connsiteX3" fmla="*/ 1910853 w 3538616"/>
+              <a:gd name="connsiteY3" fmla="*/ 0 h 584775"/>
+              <a:gd name="connsiteX4" fmla="*/ 2394463 w 3538616"/>
+              <a:gd name="connsiteY4" fmla="*/ 0 h 584775"/>
+              <a:gd name="connsiteX5" fmla="*/ 2913461 w 3538616"/>
+              <a:gd name="connsiteY5" fmla="*/ 0 h 584775"/>
+              <a:gd name="connsiteX6" fmla="*/ 3538616 w 3538616"/>
+              <a:gd name="connsiteY6" fmla="*/ 0 h 584775"/>
+              <a:gd name="connsiteX7" fmla="*/ 3538616 w 3538616"/>
+              <a:gd name="connsiteY7" fmla="*/ 584775 h 584775"/>
+              <a:gd name="connsiteX8" fmla="*/ 2948847 w 3538616"/>
+              <a:gd name="connsiteY8" fmla="*/ 584775 h 584775"/>
+              <a:gd name="connsiteX9" fmla="*/ 2465236 w 3538616"/>
+              <a:gd name="connsiteY9" fmla="*/ 584775 h 584775"/>
+              <a:gd name="connsiteX10" fmla="*/ 1981625 w 3538616"/>
+              <a:gd name="connsiteY10" fmla="*/ 584775 h 584775"/>
+              <a:gd name="connsiteX11" fmla="*/ 1356469 w 3538616"/>
+              <a:gd name="connsiteY11" fmla="*/ 584775 h 584775"/>
+              <a:gd name="connsiteX12" fmla="*/ 837472 w 3538616"/>
+              <a:gd name="connsiteY12" fmla="*/ 584775 h 584775"/>
+              <a:gd name="connsiteX13" fmla="*/ 0 w 3538616"/>
+              <a:gd name="connsiteY13" fmla="*/ 584775 h 584775"/>
+              <a:gd name="connsiteX14" fmla="*/ 0 w 3538616"/>
+              <a:gd name="connsiteY14" fmla="*/ 0 h 584775"/>
+            </a:gdLst>
+            <a:ahLst/>
+            <a:cxnLst>
+              <a:cxn ang="0">
+                <a:pos x="connsiteX0" y="connsiteY0"/>
+              </a:cxn>
+              <a:cxn ang="0">
+                <a:pos x="connsiteX1" y="connsiteY1"/>
+              </a:cxn>
+              <a:cxn ang="0">
+                <a:pos x="connsiteX2" y="connsiteY2"/>
+              </a:cxn>
+              <a:cxn ang="0">
+                <a:pos x="connsiteX3" y="connsiteY3"/>
+              </a:cxn>
+              <a:cxn ang="0">
+                <a:pos x="connsiteX4" y="connsiteY4"/>
+              </a:cxn>
+              <a:cxn ang="0">
+                <a:pos x="connsiteX5" y="connsiteY5"/>
+              </a:cxn>
+              <a:cxn ang="0">
+                <a:pos x="connsiteX6" y="connsiteY6"/>
+              </a:cxn>
+              <a:cxn ang="0">
+                <a:pos x="connsiteX7" y="connsiteY7"/>
+              </a:cxn>
+              <a:cxn ang="0">
+                <a:pos x="connsiteX8" y="connsiteY8"/>
+              </a:cxn>
+              <a:cxn ang="0">
+                <a:pos x="connsiteX9" y="connsiteY9"/>
+              </a:cxn>
+              <a:cxn ang="0">
+                <a:pos x="connsiteX10" y="connsiteY10"/>
+              </a:cxn>
+              <a:cxn ang="0">
+                <a:pos x="connsiteX11" y="connsiteY11"/>
+              </a:cxn>
+              <a:cxn ang="0">
+                <a:pos x="connsiteX12" y="connsiteY12"/>
+              </a:cxn>
+              <a:cxn ang="0">
+                <a:pos x="connsiteX13" y="connsiteY13"/>
+              </a:cxn>
+              <a:cxn ang="0">
+                <a:pos x="connsiteX14" y="connsiteY14"/>
+              </a:cxn>
+            </a:cxnLst>
+            <a:rect l="l" t="t" r="r" b="b"/>
+            <a:pathLst>
+              <a:path w="3538616" h="584775" fill="none" extrusionOk="0">
+                <a:moveTo>
+                  <a:pt x="0" y="0"/>
+                </a:moveTo>
+                <a:cubicBezTo>
+                  <a:pt x="225830" y="-12945"/>
+                  <a:pt x="479516" y="15239"/>
+                  <a:pt x="660542" y="0"/>
+                </a:cubicBezTo>
+                <a:cubicBezTo>
+                  <a:pt x="841568" y="-15239"/>
+                  <a:pt x="1015620" y="-23243"/>
+                  <a:pt x="1285697" y="0"/>
+                </a:cubicBezTo>
+                <a:cubicBezTo>
+                  <a:pt x="1555775" y="23243"/>
+                  <a:pt x="1785649" y="-28426"/>
+                  <a:pt x="1910853" y="0"/>
+                </a:cubicBezTo>
+                <a:cubicBezTo>
+                  <a:pt x="2036057" y="28426"/>
+                  <a:pt x="2172017" y="-10142"/>
+                  <a:pt x="2394463" y="0"/>
+                </a:cubicBezTo>
+                <a:cubicBezTo>
+                  <a:pt x="2616909" y="10142"/>
+                  <a:pt x="2732541" y="-12923"/>
+                  <a:pt x="2913461" y="0"/>
+                </a:cubicBezTo>
+                <a:cubicBezTo>
+                  <a:pt x="3094381" y="12923"/>
+                  <a:pt x="3264772" y="22957"/>
+                  <a:pt x="3538616" y="0"/>
+                </a:cubicBezTo>
+                <a:cubicBezTo>
+                  <a:pt x="3556935" y="145862"/>
+                  <a:pt x="3517924" y="433896"/>
+                  <a:pt x="3538616" y="584775"/>
+                </a:cubicBezTo>
+                <a:cubicBezTo>
+                  <a:pt x="3340824" y="580171"/>
+                  <a:pt x="3222116" y="613043"/>
+                  <a:pt x="2948847" y="584775"/>
+                </a:cubicBezTo>
+                <a:cubicBezTo>
+                  <a:pt x="2675578" y="556507"/>
+                  <a:pt x="2628844" y="597287"/>
+                  <a:pt x="2465236" y="584775"/>
+                </a:cubicBezTo>
+                <a:cubicBezTo>
+                  <a:pt x="2301628" y="572263"/>
+                  <a:pt x="2165478" y="581272"/>
+                  <a:pt x="1981625" y="584775"/>
+                </a:cubicBezTo>
+                <a:cubicBezTo>
+                  <a:pt x="1797772" y="588278"/>
+                  <a:pt x="1608145" y="554624"/>
+                  <a:pt x="1356469" y="584775"/>
+                </a:cubicBezTo>
+                <a:cubicBezTo>
+                  <a:pt x="1104793" y="614926"/>
+                  <a:pt x="992313" y="597594"/>
+                  <a:pt x="837472" y="584775"/>
+                </a:cubicBezTo>
+                <a:cubicBezTo>
+                  <a:pt x="682631" y="571956"/>
+                  <a:pt x="288551" y="579252"/>
+                  <a:pt x="0" y="584775"/>
+                </a:cubicBezTo>
+                <a:cubicBezTo>
+                  <a:pt x="-6303" y="445539"/>
+                  <a:pt x="-13732" y="241777"/>
+                  <a:pt x="0" y="0"/>
+                </a:cubicBezTo>
+                <a:close/>
+              </a:path>
+              <a:path w="3538616" h="584775" stroke="0" extrusionOk="0">
+                <a:moveTo>
+                  <a:pt x="0" y="0"/>
+                </a:moveTo>
+                <a:cubicBezTo>
+                  <a:pt x="157640" y="24815"/>
+                  <a:pt x="369497" y="-13634"/>
+                  <a:pt x="554383" y="0"/>
+                </a:cubicBezTo>
+                <a:cubicBezTo>
+                  <a:pt x="739269" y="13634"/>
+                  <a:pt x="809905" y="22369"/>
+                  <a:pt x="1037994" y="0"/>
+                </a:cubicBezTo>
+                <a:cubicBezTo>
+                  <a:pt x="1266083" y="-22369"/>
+                  <a:pt x="1468019" y="5731"/>
+                  <a:pt x="1698536" y="0"/>
+                </a:cubicBezTo>
+                <a:cubicBezTo>
+                  <a:pt x="1929053" y="-5731"/>
+                  <a:pt x="2019880" y="17940"/>
+                  <a:pt x="2252919" y="0"/>
+                </a:cubicBezTo>
+                <a:cubicBezTo>
+                  <a:pt x="2485958" y="-17940"/>
+                  <a:pt x="2561689" y="16781"/>
+                  <a:pt x="2807302" y="0"/>
+                </a:cubicBezTo>
+                <a:cubicBezTo>
+                  <a:pt x="3052915" y="-16781"/>
+                  <a:pt x="3339479" y="-4448"/>
+                  <a:pt x="3538616" y="0"/>
+                </a:cubicBezTo>
+                <a:cubicBezTo>
+                  <a:pt x="3535855" y="282673"/>
+                  <a:pt x="3538233" y="341227"/>
+                  <a:pt x="3538616" y="584775"/>
+                </a:cubicBezTo>
+                <a:cubicBezTo>
+                  <a:pt x="3330764" y="607450"/>
+                  <a:pt x="3188719" y="597476"/>
+                  <a:pt x="2948847" y="584775"/>
+                </a:cubicBezTo>
+                <a:cubicBezTo>
+                  <a:pt x="2708975" y="572074"/>
+                  <a:pt x="2591742" y="573579"/>
+                  <a:pt x="2465236" y="584775"/>
+                </a:cubicBezTo>
+                <a:cubicBezTo>
+                  <a:pt x="2338730" y="595971"/>
+                  <a:pt x="2105194" y="608424"/>
+                  <a:pt x="1875466" y="584775"/>
+                </a:cubicBezTo>
+                <a:cubicBezTo>
+                  <a:pt x="1645738" y="561127"/>
+                  <a:pt x="1427092" y="556112"/>
+                  <a:pt x="1285697" y="584775"/>
+                </a:cubicBezTo>
+                <a:cubicBezTo>
+                  <a:pt x="1144302" y="613438"/>
+                  <a:pt x="916551" y="559768"/>
+                  <a:pt x="731314" y="584775"/>
+                </a:cubicBezTo>
+                <a:cubicBezTo>
+                  <a:pt x="546077" y="609782"/>
+                  <a:pt x="240005" y="615832"/>
+                  <a:pt x="0" y="584775"/>
+                </a:cubicBezTo>
+                <a:cubicBezTo>
+                  <a:pt x="8947" y="456293"/>
+                  <a:pt x="29051" y="250004"/>
+                  <a:pt x="0" y="0"/>
+                </a:cubicBezTo>
+                <a:close/>
+              </a:path>
+            </a:pathLst>
+          </a:custGeom>
+          <a:ln>
+            <a:solidFill>
+              <a:schemeClr val="tx1"/>
+            </a:solidFill>
+            <a:extLst>
+              <a:ext uri="{C807C97D-BFC1-408E-A445-0C87EB9F89A2}">
+                <ask:lineSketchStyleProps xmlns:ask="http://schemas.microsoft.com/office/drawing/2018/sketchyshapes" sd="1219033472">
+                  <a:prstGeom prst="rect">
+                    <a:avLst/>
+                  </a:prstGeom>
+                  <ask:type>
+                    <ask:lineSketchFreehand/>
+                  </ask:type>
+                </ask:lineSketchStyleProps>
+              </a:ext>
+            </a:extLst>
+          </a:ln>
+        </p:spPr>
+        <p:txBody>
+          <a:bodyPr wrap="square">
+            <a:spAutoFit/>
+          </a:bodyPr>
+          <a:lstStyle/>
+          <a:p>
+            <a:r>
+              <a:rPr lang="en-US" sz="1600" b="1" dirty="0">
+                <a:latin typeface="Consolas" panose="020B0609020204030204" pitchFamily="49" charset="0"/>
+                <a:cs typeface="Consolas" panose="020B0609020204030204" pitchFamily="49" charset="0"/>
+              </a:rPr>
+              <a:t>if </a:t>
+            </a:r>
+            <a:r>
+              <a:rPr lang="en-US" sz="1600" b="1" dirty="0">
+                <a:highlight>
+                  <a:srgbClr val="00FF00"/>
+                </a:highlight>
+                <a:latin typeface="Consolas" panose="020B0609020204030204" pitchFamily="49" charset="0"/>
+                <a:cs typeface="Consolas" panose="020B0609020204030204" pitchFamily="49" charset="0"/>
+              </a:rPr>
+              <a:t>n &lt; 0</a:t>
+            </a:r>
+            <a:r>
+              <a:rPr lang="en-US" sz="1600" b="1" dirty="0">
+                <a:latin typeface="Consolas" panose="020B0609020204030204" pitchFamily="49" charset="0"/>
+                <a:cs typeface="Consolas" panose="020B0609020204030204" pitchFamily="49" charset="0"/>
+              </a:rPr>
+              <a:t>: return n * -1</a:t>
+            </a:r>
+          </a:p>
+          <a:p>
+            <a:r>
+              <a:rPr lang="en-US" sz="1600" dirty="0">
+                <a:latin typeface="Consolas" panose="020B0609020204030204" pitchFamily="49" charset="0"/>
+                <a:cs typeface="Consolas" panose="020B0609020204030204" pitchFamily="49" charset="0"/>
+              </a:rPr>
+              <a:t>else: return n</a:t>
+            </a:r>
+          </a:p>
+        </p:txBody>
+      </p:sp>
+      <p:sp>
+        <p:nvSpPr>
+          <p:cNvPr id="32" name="Rectangle 31">
+            <a:extLst>
+              <a:ext uri="{FF2B5EF4-FFF2-40B4-BE49-F238E27FC236}">
+                <a16:creationId xmlns:a16="http://schemas.microsoft.com/office/drawing/2014/main" id="{5A004D25-A93A-9B45-A69E-4FE689AC14FF}"/>
+              </a:ext>
+            </a:extLst>
+          </p:cNvPr>
+          <p:cNvSpPr/>
+          <p:nvPr/>
+        </p:nvSpPr>
+        <p:spPr>
+          <a:xfrm>
+            <a:off x="4798423" y="4871586"/>
+            <a:ext cx="951634" cy="338554"/>
+          </a:xfrm>
+          <a:custGeom>
+            <a:avLst/>
+            <a:gdLst>
+              <a:gd name="connsiteX0" fmla="*/ 0 w 951634"/>
+              <a:gd name="connsiteY0" fmla="*/ 0 h 338554"/>
+              <a:gd name="connsiteX1" fmla="*/ 466301 w 951634"/>
+              <a:gd name="connsiteY1" fmla="*/ 0 h 338554"/>
+              <a:gd name="connsiteX2" fmla="*/ 951634 w 951634"/>
+              <a:gd name="connsiteY2" fmla="*/ 0 h 338554"/>
+              <a:gd name="connsiteX3" fmla="*/ 951634 w 951634"/>
+              <a:gd name="connsiteY3" fmla="*/ 338554 h 338554"/>
+              <a:gd name="connsiteX4" fmla="*/ 504366 w 951634"/>
+              <a:gd name="connsiteY4" fmla="*/ 338554 h 338554"/>
+              <a:gd name="connsiteX5" fmla="*/ 0 w 951634"/>
+              <a:gd name="connsiteY5" fmla="*/ 338554 h 338554"/>
+              <a:gd name="connsiteX6" fmla="*/ 0 w 951634"/>
+              <a:gd name="connsiteY6" fmla="*/ 0 h 338554"/>
+            </a:gdLst>
+            <a:ahLst/>
+            <a:cxnLst>
+              <a:cxn ang="0">
+                <a:pos x="connsiteX0" y="connsiteY0"/>
+              </a:cxn>
+              <a:cxn ang="0">
+                <a:pos x="connsiteX1" y="connsiteY1"/>
+              </a:cxn>
+              <a:cxn ang="0">
+                <a:pos x="connsiteX2" y="connsiteY2"/>
+              </a:cxn>
+              <a:cxn ang="0">
+                <a:pos x="connsiteX3" y="connsiteY3"/>
+              </a:cxn>
+              <a:cxn ang="0">
+                <a:pos x="connsiteX4" y="connsiteY4"/>
+              </a:cxn>
+              <a:cxn ang="0">
+                <a:pos x="connsiteX5" y="connsiteY5"/>
+              </a:cxn>
+              <a:cxn ang="0">
+                <a:pos x="connsiteX6" y="connsiteY6"/>
+              </a:cxn>
+            </a:cxnLst>
+            <a:rect l="l" t="t" r="r" b="b"/>
+            <a:pathLst>
+              <a:path w="951634" h="338554" fill="none" extrusionOk="0">
+                <a:moveTo>
+                  <a:pt x="0" y="0"/>
+                </a:moveTo>
+                <a:cubicBezTo>
+                  <a:pt x="182263" y="-22834"/>
+                  <a:pt x="258922" y="5248"/>
+                  <a:pt x="466301" y="0"/>
+                </a:cubicBezTo>
+                <a:cubicBezTo>
+                  <a:pt x="673680" y="-5248"/>
+                  <a:pt x="756624" y="-24144"/>
+                  <a:pt x="951634" y="0"/>
+                </a:cubicBezTo>
+                <a:cubicBezTo>
+                  <a:pt x="951185" y="99080"/>
+                  <a:pt x="948246" y="190534"/>
+                  <a:pt x="951634" y="338554"/>
+                </a:cubicBezTo>
+                <a:cubicBezTo>
+                  <a:pt x="741488" y="337334"/>
+                  <a:pt x="645387" y="334152"/>
+                  <a:pt x="504366" y="338554"/>
+                </a:cubicBezTo>
+                <a:cubicBezTo>
+                  <a:pt x="363345" y="342956"/>
+                  <a:pt x="179034" y="325492"/>
+                  <a:pt x="0" y="338554"/>
+                </a:cubicBezTo>
+                <a:cubicBezTo>
+                  <a:pt x="784" y="208727"/>
+                  <a:pt x="-15516" y="75634"/>
+                  <a:pt x="0" y="0"/>
+                </a:cubicBezTo>
+                <a:close/>
+              </a:path>
+              <a:path w="951634" h="338554" stroke="0" extrusionOk="0">
+                <a:moveTo>
+                  <a:pt x="0" y="0"/>
+                </a:moveTo>
+                <a:cubicBezTo>
+                  <a:pt x="181444" y="-8133"/>
+                  <a:pt x="359078" y="3428"/>
+                  <a:pt x="466301" y="0"/>
+                </a:cubicBezTo>
+                <a:cubicBezTo>
+                  <a:pt x="573524" y="-3428"/>
+                  <a:pt x="714230" y="-10058"/>
+                  <a:pt x="951634" y="0"/>
+                </a:cubicBezTo>
+                <a:cubicBezTo>
+                  <a:pt x="942676" y="134781"/>
+                  <a:pt x="944719" y="266098"/>
+                  <a:pt x="951634" y="338554"/>
+                </a:cubicBezTo>
+                <a:cubicBezTo>
+                  <a:pt x="753181" y="353613"/>
+                  <a:pt x="648893" y="338091"/>
+                  <a:pt x="466301" y="338554"/>
+                </a:cubicBezTo>
+                <a:cubicBezTo>
+                  <a:pt x="283709" y="339017"/>
+                  <a:pt x="187493" y="357823"/>
+                  <a:pt x="0" y="338554"/>
+                </a:cubicBezTo>
+                <a:cubicBezTo>
+                  <a:pt x="818" y="176047"/>
+                  <a:pt x="-1861" y="132783"/>
+                  <a:pt x="0" y="0"/>
+                </a:cubicBezTo>
+                <a:close/>
+              </a:path>
+            </a:pathLst>
+          </a:custGeom>
+          <a:ln>
+            <a:solidFill>
+              <a:schemeClr val="tx1"/>
+            </a:solidFill>
+            <a:extLst>
+              <a:ext uri="{C807C97D-BFC1-408E-A445-0C87EB9F89A2}">
+                <ask:lineSketchStyleProps xmlns:ask="http://schemas.microsoft.com/office/drawing/2018/sketchyshapes" sd="910468536">
+                  <a:prstGeom prst="rect">
+                    <a:avLst/>
+                  </a:prstGeom>
+                  <ask:type>
+                    <ask:lineSketchFreehand/>
+                  </ask:type>
+                </ask:lineSketchStyleProps>
+              </a:ext>
+            </a:extLst>
+          </a:ln>
+        </p:spPr>
+        <p:txBody>
+          <a:bodyPr wrap="square">
+            <a:spAutoFit/>
+          </a:bodyPr>
+          <a:lstStyle/>
+          <a:p>
+            <a:r>
+              <a:rPr lang="en-US" sz="1600" dirty="0">
+                <a:latin typeface="Consolas" panose="020B0609020204030204" pitchFamily="49" charset="0"/>
+                <a:cs typeface="Consolas" panose="020B0609020204030204" pitchFamily="49" charset="0"/>
+              </a:rPr>
+              <a:t>n : -3</a:t>
+            </a:r>
+          </a:p>
+        </p:txBody>
+      </p:sp>
+      <p:sp>
+        <p:nvSpPr>
+          <p:cNvPr id="33" name="Rectangle 32">
+            <a:extLst>
+              <a:ext uri="{FF2B5EF4-FFF2-40B4-BE49-F238E27FC236}">
+                <a16:creationId xmlns:a16="http://schemas.microsoft.com/office/drawing/2014/main" id="{42E68E16-04B4-B940-863E-DA210BC869F9}"/>
+              </a:ext>
+            </a:extLst>
+          </p:cNvPr>
+          <p:cNvSpPr/>
+          <p:nvPr/>
+        </p:nvSpPr>
+        <p:spPr>
+          <a:xfrm>
+            <a:off x="5891003" y="4871586"/>
+            <a:ext cx="3538616" cy="584775"/>
+          </a:xfrm>
+          <a:custGeom>
+            <a:avLst/>
+            <a:gdLst>
+              <a:gd name="connsiteX0" fmla="*/ 0 w 3538616"/>
+              <a:gd name="connsiteY0" fmla="*/ 0 h 584775"/>
+              <a:gd name="connsiteX1" fmla="*/ 660542 w 3538616"/>
+              <a:gd name="connsiteY1" fmla="*/ 0 h 584775"/>
+              <a:gd name="connsiteX2" fmla="*/ 1285697 w 3538616"/>
+              <a:gd name="connsiteY2" fmla="*/ 0 h 584775"/>
+              <a:gd name="connsiteX3" fmla="*/ 1910853 w 3538616"/>
+              <a:gd name="connsiteY3" fmla="*/ 0 h 584775"/>
+              <a:gd name="connsiteX4" fmla="*/ 2394463 w 3538616"/>
+              <a:gd name="connsiteY4" fmla="*/ 0 h 584775"/>
+              <a:gd name="connsiteX5" fmla="*/ 2913461 w 3538616"/>
+              <a:gd name="connsiteY5" fmla="*/ 0 h 584775"/>
+              <a:gd name="connsiteX6" fmla="*/ 3538616 w 3538616"/>
+              <a:gd name="connsiteY6" fmla="*/ 0 h 584775"/>
+              <a:gd name="connsiteX7" fmla="*/ 3538616 w 3538616"/>
+              <a:gd name="connsiteY7" fmla="*/ 584775 h 584775"/>
+              <a:gd name="connsiteX8" fmla="*/ 2948847 w 3538616"/>
+              <a:gd name="connsiteY8" fmla="*/ 584775 h 584775"/>
+              <a:gd name="connsiteX9" fmla="*/ 2465236 w 3538616"/>
+              <a:gd name="connsiteY9" fmla="*/ 584775 h 584775"/>
+              <a:gd name="connsiteX10" fmla="*/ 1981625 w 3538616"/>
+              <a:gd name="connsiteY10" fmla="*/ 584775 h 584775"/>
+              <a:gd name="connsiteX11" fmla="*/ 1356469 w 3538616"/>
+              <a:gd name="connsiteY11" fmla="*/ 584775 h 584775"/>
+              <a:gd name="connsiteX12" fmla="*/ 837472 w 3538616"/>
+              <a:gd name="connsiteY12" fmla="*/ 584775 h 584775"/>
+              <a:gd name="connsiteX13" fmla="*/ 0 w 3538616"/>
+              <a:gd name="connsiteY13" fmla="*/ 584775 h 584775"/>
+              <a:gd name="connsiteX14" fmla="*/ 0 w 3538616"/>
+              <a:gd name="connsiteY14" fmla="*/ 0 h 584775"/>
+            </a:gdLst>
+            <a:ahLst/>
+            <a:cxnLst>
+              <a:cxn ang="0">
+                <a:pos x="connsiteX0" y="connsiteY0"/>
+              </a:cxn>
+              <a:cxn ang="0">
+                <a:pos x="connsiteX1" y="connsiteY1"/>
+              </a:cxn>
+              <a:cxn ang="0">
+                <a:pos x="connsiteX2" y="connsiteY2"/>
+              </a:cxn>
+              <a:cxn ang="0">
+                <a:pos x="connsiteX3" y="connsiteY3"/>
+              </a:cxn>
+              <a:cxn ang="0">
+                <a:pos x="connsiteX4" y="connsiteY4"/>
+              </a:cxn>
+              <a:cxn ang="0">
+                <a:pos x="connsiteX5" y="connsiteY5"/>
+              </a:cxn>
+              <a:cxn ang="0">
+                <a:pos x="connsiteX6" y="connsiteY6"/>
+              </a:cxn>
+              <a:cxn ang="0">
+                <a:pos x="connsiteX7" y="connsiteY7"/>
+              </a:cxn>
+              <a:cxn ang="0">
+                <a:pos x="connsiteX8" y="connsiteY8"/>
+              </a:cxn>
+              <a:cxn ang="0">
+                <a:pos x="connsiteX9" y="connsiteY9"/>
+              </a:cxn>
+              <a:cxn ang="0">
+                <a:pos x="connsiteX10" y="connsiteY10"/>
+              </a:cxn>
+              <a:cxn ang="0">
+                <a:pos x="connsiteX11" y="connsiteY11"/>
+              </a:cxn>
+              <a:cxn ang="0">
+                <a:pos x="connsiteX12" y="connsiteY12"/>
+              </a:cxn>
+              <a:cxn ang="0">
+                <a:pos x="connsiteX13" y="connsiteY13"/>
+              </a:cxn>
+              <a:cxn ang="0">
+                <a:pos x="connsiteX14" y="connsiteY14"/>
+              </a:cxn>
+            </a:cxnLst>
+            <a:rect l="l" t="t" r="r" b="b"/>
+            <a:pathLst>
+              <a:path w="3538616" h="584775" fill="none" extrusionOk="0">
+                <a:moveTo>
+                  <a:pt x="0" y="0"/>
+                </a:moveTo>
+                <a:cubicBezTo>
+                  <a:pt x="225830" y="-12945"/>
+                  <a:pt x="479516" y="15239"/>
+                  <a:pt x="660542" y="0"/>
+                </a:cubicBezTo>
+                <a:cubicBezTo>
+                  <a:pt x="841568" y="-15239"/>
+                  <a:pt x="1015620" y="-23243"/>
+                  <a:pt x="1285697" y="0"/>
+                </a:cubicBezTo>
+                <a:cubicBezTo>
+                  <a:pt x="1555775" y="23243"/>
+                  <a:pt x="1785649" y="-28426"/>
+                  <a:pt x="1910853" y="0"/>
+                </a:cubicBezTo>
+                <a:cubicBezTo>
+                  <a:pt x="2036057" y="28426"/>
+                  <a:pt x="2172017" y="-10142"/>
+                  <a:pt x="2394463" y="0"/>
+                </a:cubicBezTo>
+                <a:cubicBezTo>
+                  <a:pt x="2616909" y="10142"/>
+                  <a:pt x="2732541" y="-12923"/>
+                  <a:pt x="2913461" y="0"/>
+                </a:cubicBezTo>
+                <a:cubicBezTo>
+                  <a:pt x="3094381" y="12923"/>
+                  <a:pt x="3264772" y="22957"/>
+                  <a:pt x="3538616" y="0"/>
+                </a:cubicBezTo>
+                <a:cubicBezTo>
+                  <a:pt x="3556935" y="145862"/>
+                  <a:pt x="3517924" y="433896"/>
+                  <a:pt x="3538616" y="584775"/>
+                </a:cubicBezTo>
+                <a:cubicBezTo>
+                  <a:pt x="3340824" y="580171"/>
+                  <a:pt x="3222116" y="613043"/>
+                  <a:pt x="2948847" y="584775"/>
+                </a:cubicBezTo>
+                <a:cubicBezTo>
+                  <a:pt x="2675578" y="556507"/>
+                  <a:pt x="2628844" y="597287"/>
+                  <a:pt x="2465236" y="584775"/>
+                </a:cubicBezTo>
+                <a:cubicBezTo>
+                  <a:pt x="2301628" y="572263"/>
+                  <a:pt x="2165478" y="581272"/>
+                  <a:pt x="1981625" y="584775"/>
+                </a:cubicBezTo>
+                <a:cubicBezTo>
+                  <a:pt x="1797772" y="588278"/>
+                  <a:pt x="1608145" y="554624"/>
+                  <a:pt x="1356469" y="584775"/>
+                </a:cubicBezTo>
+                <a:cubicBezTo>
+                  <a:pt x="1104793" y="614926"/>
+                  <a:pt x="992313" y="597594"/>
+                  <a:pt x="837472" y="584775"/>
+                </a:cubicBezTo>
+                <a:cubicBezTo>
+                  <a:pt x="682631" y="571956"/>
+                  <a:pt x="288551" y="579252"/>
+                  <a:pt x="0" y="584775"/>
+                </a:cubicBezTo>
+                <a:cubicBezTo>
+                  <a:pt x="-6303" y="445539"/>
+                  <a:pt x="-13732" y="241777"/>
+                  <a:pt x="0" y="0"/>
+                </a:cubicBezTo>
+                <a:close/>
+              </a:path>
+              <a:path w="3538616" h="584775" stroke="0" extrusionOk="0">
+                <a:moveTo>
+                  <a:pt x="0" y="0"/>
+                </a:moveTo>
+                <a:cubicBezTo>
+                  <a:pt x="157640" y="24815"/>
+                  <a:pt x="369497" y="-13634"/>
+                  <a:pt x="554383" y="0"/>
+                </a:cubicBezTo>
+                <a:cubicBezTo>
+                  <a:pt x="739269" y="13634"/>
+                  <a:pt x="809905" y="22369"/>
+                  <a:pt x="1037994" y="0"/>
+                </a:cubicBezTo>
+                <a:cubicBezTo>
+                  <a:pt x="1266083" y="-22369"/>
+                  <a:pt x="1468019" y="5731"/>
+                  <a:pt x="1698536" y="0"/>
+                </a:cubicBezTo>
+                <a:cubicBezTo>
+                  <a:pt x="1929053" y="-5731"/>
+                  <a:pt x="2019880" y="17940"/>
+                  <a:pt x="2252919" y="0"/>
+                </a:cubicBezTo>
+                <a:cubicBezTo>
+                  <a:pt x="2485958" y="-17940"/>
+                  <a:pt x="2561689" y="16781"/>
+                  <a:pt x="2807302" y="0"/>
+                </a:cubicBezTo>
+                <a:cubicBezTo>
+                  <a:pt x="3052915" y="-16781"/>
+                  <a:pt x="3339479" y="-4448"/>
+                  <a:pt x="3538616" y="0"/>
+                </a:cubicBezTo>
+                <a:cubicBezTo>
+                  <a:pt x="3535855" y="282673"/>
+                  <a:pt x="3538233" y="341227"/>
+                  <a:pt x="3538616" y="584775"/>
+                </a:cubicBezTo>
+                <a:cubicBezTo>
+                  <a:pt x="3330764" y="607450"/>
+                  <a:pt x="3188719" y="597476"/>
+                  <a:pt x="2948847" y="584775"/>
+                </a:cubicBezTo>
+                <a:cubicBezTo>
+                  <a:pt x="2708975" y="572074"/>
+                  <a:pt x="2591742" y="573579"/>
+                  <a:pt x="2465236" y="584775"/>
+                </a:cubicBezTo>
+                <a:cubicBezTo>
+                  <a:pt x="2338730" y="595971"/>
+                  <a:pt x="2105194" y="608424"/>
+                  <a:pt x="1875466" y="584775"/>
+                </a:cubicBezTo>
+                <a:cubicBezTo>
+                  <a:pt x="1645738" y="561127"/>
+                  <a:pt x="1427092" y="556112"/>
+                  <a:pt x="1285697" y="584775"/>
+                </a:cubicBezTo>
+                <a:cubicBezTo>
+                  <a:pt x="1144302" y="613438"/>
+                  <a:pt x="916551" y="559768"/>
+                  <a:pt x="731314" y="584775"/>
+                </a:cubicBezTo>
+                <a:cubicBezTo>
+                  <a:pt x="546077" y="609782"/>
+                  <a:pt x="240005" y="615832"/>
+                  <a:pt x="0" y="584775"/>
+                </a:cubicBezTo>
+                <a:cubicBezTo>
+                  <a:pt x="8947" y="456293"/>
+                  <a:pt x="29051" y="250004"/>
+                  <a:pt x="0" y="0"/>
+                </a:cubicBezTo>
+                <a:close/>
+              </a:path>
+            </a:pathLst>
+          </a:custGeom>
+          <a:ln>
+            <a:solidFill>
+              <a:schemeClr val="tx1"/>
+            </a:solidFill>
+            <a:extLst>
+              <a:ext uri="{C807C97D-BFC1-408E-A445-0C87EB9F89A2}">
+                <ask:lineSketchStyleProps xmlns:ask="http://schemas.microsoft.com/office/drawing/2018/sketchyshapes" sd="1219033472">
+                  <a:prstGeom prst="rect">
+                    <a:avLst/>
+                  </a:prstGeom>
+                  <ask:type>
+                    <ask:lineSketchFreehand/>
+                  </ask:type>
+                </ask:lineSketchStyleProps>
+              </a:ext>
+            </a:extLst>
+          </a:ln>
+        </p:spPr>
+        <p:txBody>
+          <a:bodyPr wrap="square">
+            <a:spAutoFit/>
+          </a:bodyPr>
+          <a:lstStyle/>
+          <a:p>
+            <a:r>
+              <a:rPr lang="en-US" sz="1600" dirty="0">
+                <a:latin typeface="Consolas" panose="020B0609020204030204" pitchFamily="49" charset="0"/>
+                <a:cs typeface="Consolas" panose="020B0609020204030204" pitchFamily="49" charset="0"/>
+              </a:rPr>
+              <a:t>if </a:t>
+            </a:r>
+            <a:r>
+              <a:rPr lang="en-US" sz="1600" b="1" dirty="0">
+                <a:highlight>
+                  <a:srgbClr val="00FF00"/>
+                </a:highlight>
+                <a:latin typeface="Consolas" panose="020B0609020204030204" pitchFamily="49" charset="0"/>
+                <a:cs typeface="Consolas" panose="020B0609020204030204" pitchFamily="49" charset="0"/>
+              </a:rPr>
+              <a:t>True</a:t>
+            </a:r>
+            <a:r>
+              <a:rPr lang="en-US" sz="1600" dirty="0">
+                <a:latin typeface="Consolas" panose="020B0609020204030204" pitchFamily="49" charset="0"/>
+                <a:cs typeface="Consolas" panose="020B0609020204030204" pitchFamily="49" charset="0"/>
+              </a:rPr>
+              <a:t>: </a:t>
+            </a:r>
+            <a:r>
+              <a:rPr lang="en-US" sz="1600" dirty="0">
+                <a:highlight>
+                  <a:srgbClr val="00FFFF"/>
+                </a:highlight>
+                <a:latin typeface="Consolas" panose="020B0609020204030204" pitchFamily="49" charset="0"/>
+                <a:cs typeface="Consolas" panose="020B0609020204030204" pitchFamily="49" charset="0"/>
+              </a:rPr>
+              <a:t>return n * -1</a:t>
+            </a:r>
+          </a:p>
+          <a:p>
+            <a:r>
+              <a:rPr lang="en-US" sz="1600" dirty="0">
+                <a:latin typeface="Consolas" panose="020B0609020204030204" pitchFamily="49" charset="0"/>
+                <a:cs typeface="Consolas" panose="020B0609020204030204" pitchFamily="49" charset="0"/>
+              </a:rPr>
+              <a:t>else: return n</a:t>
+            </a:r>
+          </a:p>
+        </p:txBody>
+      </p:sp>
+      <p:sp>
+        <p:nvSpPr>
+          <p:cNvPr id="34" name="Rectangle 33">
+            <a:extLst>
+              <a:ext uri="{FF2B5EF4-FFF2-40B4-BE49-F238E27FC236}">
+                <a16:creationId xmlns:a16="http://schemas.microsoft.com/office/drawing/2014/main" id="{1B83DD74-A0A3-864B-93C3-1DC378A6343A}"/>
+              </a:ext>
+            </a:extLst>
+          </p:cNvPr>
+          <p:cNvSpPr/>
+          <p:nvPr/>
+        </p:nvSpPr>
+        <p:spPr>
+          <a:xfrm>
+            <a:off x="8534400" y="4871586"/>
+            <a:ext cx="895219" cy="338554"/>
+          </a:xfrm>
+          <a:custGeom>
+            <a:avLst/>
+            <a:gdLst>
+              <a:gd name="connsiteX0" fmla="*/ 0 w 895219"/>
+              <a:gd name="connsiteY0" fmla="*/ 0 h 338554"/>
+              <a:gd name="connsiteX1" fmla="*/ 438657 w 895219"/>
+              <a:gd name="connsiteY1" fmla="*/ 0 h 338554"/>
+              <a:gd name="connsiteX2" fmla="*/ 895219 w 895219"/>
+              <a:gd name="connsiteY2" fmla="*/ 0 h 338554"/>
+              <a:gd name="connsiteX3" fmla="*/ 895219 w 895219"/>
+              <a:gd name="connsiteY3" fmla="*/ 338554 h 338554"/>
+              <a:gd name="connsiteX4" fmla="*/ 474466 w 895219"/>
+              <a:gd name="connsiteY4" fmla="*/ 338554 h 338554"/>
+              <a:gd name="connsiteX5" fmla="*/ 0 w 895219"/>
+              <a:gd name="connsiteY5" fmla="*/ 338554 h 338554"/>
+              <a:gd name="connsiteX6" fmla="*/ 0 w 895219"/>
+              <a:gd name="connsiteY6" fmla="*/ 0 h 338554"/>
+            </a:gdLst>
+            <a:ahLst/>
+            <a:cxnLst>
+              <a:cxn ang="0">
+                <a:pos x="connsiteX0" y="connsiteY0"/>
+              </a:cxn>
+              <a:cxn ang="0">
+                <a:pos x="connsiteX1" y="connsiteY1"/>
+              </a:cxn>
+              <a:cxn ang="0">
+                <a:pos x="connsiteX2" y="connsiteY2"/>
+              </a:cxn>
+              <a:cxn ang="0">
+                <a:pos x="connsiteX3" y="connsiteY3"/>
+              </a:cxn>
+              <a:cxn ang="0">
+                <a:pos x="connsiteX4" y="connsiteY4"/>
+              </a:cxn>
+              <a:cxn ang="0">
+                <a:pos x="connsiteX5" y="connsiteY5"/>
+              </a:cxn>
+              <a:cxn ang="0">
+                <a:pos x="connsiteX6" y="connsiteY6"/>
+              </a:cxn>
+            </a:cxnLst>
+            <a:rect l="l" t="t" r="r" b="b"/>
+            <a:pathLst>
+              <a:path w="895219" h="338554" fill="none" extrusionOk="0">
+                <a:moveTo>
+                  <a:pt x="0" y="0"/>
+                </a:moveTo>
+                <a:cubicBezTo>
+                  <a:pt x="125240" y="4601"/>
+                  <a:pt x="331177" y="-9085"/>
+                  <a:pt x="438657" y="0"/>
+                </a:cubicBezTo>
+                <a:cubicBezTo>
+                  <a:pt x="546137" y="9085"/>
+                  <a:pt x="697337" y="-20511"/>
+                  <a:pt x="895219" y="0"/>
+                </a:cubicBezTo>
+                <a:cubicBezTo>
+                  <a:pt x="894770" y="99080"/>
+                  <a:pt x="891831" y="190534"/>
+                  <a:pt x="895219" y="338554"/>
+                </a:cubicBezTo>
+                <a:cubicBezTo>
+                  <a:pt x="685343" y="322532"/>
+                  <a:pt x="627462" y="323477"/>
+                  <a:pt x="474466" y="338554"/>
+                </a:cubicBezTo>
+                <a:cubicBezTo>
+                  <a:pt x="321470" y="353631"/>
+                  <a:pt x="232197" y="338781"/>
+                  <a:pt x="0" y="338554"/>
+                </a:cubicBezTo>
+                <a:cubicBezTo>
+                  <a:pt x="784" y="208727"/>
+                  <a:pt x="-15516" y="75634"/>
+                  <a:pt x="0" y="0"/>
+                </a:cubicBezTo>
+                <a:close/>
+              </a:path>
+              <a:path w="895219" h="338554" stroke="0" extrusionOk="0">
+                <a:moveTo>
+                  <a:pt x="0" y="0"/>
+                </a:moveTo>
+                <a:cubicBezTo>
+                  <a:pt x="144394" y="-17732"/>
+                  <a:pt x="343100" y="-11034"/>
+                  <a:pt x="438657" y="0"/>
+                </a:cubicBezTo>
+                <a:cubicBezTo>
+                  <a:pt x="534214" y="11034"/>
+                  <a:pt x="801062" y="6225"/>
+                  <a:pt x="895219" y="0"/>
+                </a:cubicBezTo>
+                <a:cubicBezTo>
+                  <a:pt x="886261" y="134781"/>
+                  <a:pt x="888304" y="266098"/>
+                  <a:pt x="895219" y="338554"/>
+                </a:cubicBezTo>
+                <a:cubicBezTo>
+                  <a:pt x="769209" y="319366"/>
+                  <a:pt x="587192" y="338648"/>
+                  <a:pt x="438657" y="338554"/>
+                </a:cubicBezTo>
+                <a:cubicBezTo>
+                  <a:pt x="290122" y="338460"/>
+                  <a:pt x="131283" y="347093"/>
+                  <a:pt x="0" y="338554"/>
+                </a:cubicBezTo>
+                <a:cubicBezTo>
+                  <a:pt x="818" y="176047"/>
+                  <a:pt x="-1861" y="132783"/>
+                  <a:pt x="0" y="0"/>
+                </a:cubicBezTo>
+                <a:close/>
+              </a:path>
+            </a:pathLst>
+          </a:custGeom>
+          <a:ln>
+            <a:solidFill>
+              <a:schemeClr val="tx1"/>
+            </a:solidFill>
+            <a:extLst>
+              <a:ext uri="{C807C97D-BFC1-408E-A445-0C87EB9F89A2}">
+                <ask:lineSketchStyleProps xmlns:ask="http://schemas.microsoft.com/office/drawing/2018/sketchyshapes" sd="910468536">
+                  <a:prstGeom prst="rect">
+                    <a:avLst/>
+                  </a:prstGeom>
+                  <ask:type>
+                    <ask:lineSketchFreehand/>
+                  </ask:type>
+                </ask:lineSketchStyleProps>
+              </a:ext>
+            </a:extLst>
+          </a:ln>
+        </p:spPr>
+        <p:txBody>
+          <a:bodyPr wrap="square">
+            <a:spAutoFit/>
+          </a:bodyPr>
+          <a:lstStyle/>
+          <a:p>
+            <a:r>
+              <a:rPr lang="en-US" sz="1600" dirty="0">
+                <a:latin typeface="Consolas" panose="020B0609020204030204" pitchFamily="49" charset="0"/>
+                <a:cs typeface="Consolas" panose="020B0609020204030204" pitchFamily="49" charset="0"/>
+              </a:rPr>
+              <a:t>n : -3</a:t>
+            </a:r>
+          </a:p>
+        </p:txBody>
+      </p:sp>
+      <p:sp>
+        <p:nvSpPr>
+          <p:cNvPr id="35" name="Rectangle 34">
+            <a:extLst>
+              <a:ext uri="{FF2B5EF4-FFF2-40B4-BE49-F238E27FC236}">
+                <a16:creationId xmlns:a16="http://schemas.microsoft.com/office/drawing/2014/main" id="{19EFE83D-2B09-4A43-B2A6-D628C6A33905}"/>
+              </a:ext>
+            </a:extLst>
+          </p:cNvPr>
+          <p:cNvSpPr/>
+          <p:nvPr/>
+        </p:nvSpPr>
+        <p:spPr>
+          <a:xfrm>
+            <a:off x="9676390" y="4871586"/>
+            <a:ext cx="2062030" cy="584775"/>
+          </a:xfrm>
+          <a:custGeom>
+            <a:avLst/>
+            <a:gdLst>
+              <a:gd name="connsiteX0" fmla="*/ 0 w 2062030"/>
+              <a:gd name="connsiteY0" fmla="*/ 0 h 584775"/>
+              <a:gd name="connsiteX1" fmla="*/ 728584 w 2062030"/>
+              <a:gd name="connsiteY1" fmla="*/ 0 h 584775"/>
+              <a:gd name="connsiteX2" fmla="*/ 1436548 w 2062030"/>
+              <a:gd name="connsiteY2" fmla="*/ 0 h 584775"/>
+              <a:gd name="connsiteX3" fmla="*/ 2062030 w 2062030"/>
+              <a:gd name="connsiteY3" fmla="*/ 0 h 584775"/>
+              <a:gd name="connsiteX4" fmla="*/ 2062030 w 2062030"/>
+              <a:gd name="connsiteY4" fmla="*/ 584775 h 584775"/>
+              <a:gd name="connsiteX5" fmla="*/ 1415927 w 2062030"/>
+              <a:gd name="connsiteY5" fmla="*/ 584775 h 584775"/>
+              <a:gd name="connsiteX6" fmla="*/ 728584 w 2062030"/>
+              <a:gd name="connsiteY6" fmla="*/ 584775 h 584775"/>
+              <a:gd name="connsiteX7" fmla="*/ 0 w 2062030"/>
+              <a:gd name="connsiteY7" fmla="*/ 584775 h 584775"/>
+              <a:gd name="connsiteX8" fmla="*/ 0 w 2062030"/>
+              <a:gd name="connsiteY8" fmla="*/ 0 h 584775"/>
+            </a:gdLst>
+            <a:ahLst/>
+            <a:cxnLst>
+              <a:cxn ang="0">
+                <a:pos x="connsiteX0" y="connsiteY0"/>
+              </a:cxn>
+              <a:cxn ang="0">
+                <a:pos x="connsiteX1" y="connsiteY1"/>
+              </a:cxn>
+              <a:cxn ang="0">
+                <a:pos x="connsiteX2" y="connsiteY2"/>
+              </a:cxn>
+              <a:cxn ang="0">
+                <a:pos x="connsiteX3" y="connsiteY3"/>
+              </a:cxn>
+              <a:cxn ang="0">
+                <a:pos x="connsiteX4" y="connsiteY4"/>
+              </a:cxn>
+              <a:cxn ang="0">
+                <a:pos x="connsiteX5" y="connsiteY5"/>
+              </a:cxn>
+              <a:cxn ang="0">
+                <a:pos x="connsiteX6" y="connsiteY6"/>
+              </a:cxn>
+              <a:cxn ang="0">
+                <a:pos x="connsiteX7" y="connsiteY7"/>
+              </a:cxn>
+              <a:cxn ang="0">
+                <a:pos x="connsiteX8" y="connsiteY8"/>
+              </a:cxn>
+            </a:cxnLst>
+            <a:rect l="l" t="t" r="r" b="b"/>
+            <a:pathLst>
+              <a:path w="2062030" h="584775" fill="none" extrusionOk="0">
+                <a:moveTo>
+                  <a:pt x="0" y="0"/>
+                </a:moveTo>
+                <a:cubicBezTo>
+                  <a:pt x="243170" y="-19983"/>
+                  <a:pt x="397534" y="4644"/>
+                  <a:pt x="728584" y="0"/>
+                </a:cubicBezTo>
+                <a:cubicBezTo>
+                  <a:pt x="1059634" y="-4644"/>
+                  <a:pt x="1230827" y="27634"/>
+                  <a:pt x="1436548" y="0"/>
+                </a:cubicBezTo>
+                <a:cubicBezTo>
+                  <a:pt x="1642269" y="-27634"/>
+                  <a:pt x="1924802" y="-1018"/>
+                  <a:pt x="2062030" y="0"/>
+                </a:cubicBezTo>
+                <a:cubicBezTo>
+                  <a:pt x="2034615" y="179062"/>
+                  <a:pt x="2053083" y="303915"/>
+                  <a:pt x="2062030" y="584775"/>
+                </a:cubicBezTo>
+                <a:cubicBezTo>
+                  <a:pt x="1895418" y="602046"/>
+                  <a:pt x="1624288" y="565353"/>
+                  <a:pt x="1415927" y="584775"/>
+                </a:cubicBezTo>
+                <a:cubicBezTo>
+                  <a:pt x="1207566" y="604197"/>
+                  <a:pt x="1039244" y="614393"/>
+                  <a:pt x="728584" y="584775"/>
+                </a:cubicBezTo>
+                <a:cubicBezTo>
+                  <a:pt x="417924" y="555157"/>
+                  <a:pt x="277986" y="562681"/>
+                  <a:pt x="0" y="584775"/>
+                </a:cubicBezTo>
+                <a:cubicBezTo>
+                  <a:pt x="2680" y="301565"/>
+                  <a:pt x="1607" y="244936"/>
+                  <a:pt x="0" y="0"/>
+                </a:cubicBezTo>
+                <a:close/>
+              </a:path>
+              <a:path w="2062030" h="584775" stroke="0" extrusionOk="0">
+                <a:moveTo>
+                  <a:pt x="0" y="0"/>
+                </a:moveTo>
+                <a:cubicBezTo>
+                  <a:pt x="170329" y="-22435"/>
+                  <a:pt x="334545" y="14843"/>
+                  <a:pt x="666723" y="0"/>
+                </a:cubicBezTo>
+                <a:cubicBezTo>
+                  <a:pt x="998901" y="-14843"/>
+                  <a:pt x="984362" y="-18145"/>
+                  <a:pt x="1292205" y="0"/>
+                </a:cubicBezTo>
+                <a:cubicBezTo>
+                  <a:pt x="1600048" y="18145"/>
+                  <a:pt x="1896808" y="-6320"/>
+                  <a:pt x="2062030" y="0"/>
+                </a:cubicBezTo>
+                <a:cubicBezTo>
+                  <a:pt x="2044361" y="227626"/>
+                  <a:pt x="2081764" y="341921"/>
+                  <a:pt x="2062030" y="584775"/>
+                </a:cubicBezTo>
+                <a:cubicBezTo>
+                  <a:pt x="1819401" y="602595"/>
+                  <a:pt x="1626973" y="562922"/>
+                  <a:pt x="1415927" y="584775"/>
+                </a:cubicBezTo>
+                <a:cubicBezTo>
+                  <a:pt x="1204881" y="606628"/>
+                  <a:pt x="1020488" y="550920"/>
+                  <a:pt x="687343" y="584775"/>
+                </a:cubicBezTo>
+                <a:cubicBezTo>
+                  <a:pt x="354198" y="618630"/>
+                  <a:pt x="182142" y="612872"/>
+                  <a:pt x="0" y="584775"/>
+                </a:cubicBezTo>
+                <a:cubicBezTo>
+                  <a:pt x="25670" y="459023"/>
+                  <a:pt x="-4323" y="217936"/>
+                  <a:pt x="0" y="0"/>
+                </a:cubicBezTo>
+                <a:close/>
+              </a:path>
+            </a:pathLst>
+          </a:custGeom>
+          <a:ln>
+            <a:solidFill>
+              <a:schemeClr val="tx1"/>
+            </a:solidFill>
+            <a:extLst>
+              <a:ext uri="{C807C97D-BFC1-408E-A445-0C87EB9F89A2}">
+                <ask:lineSketchStyleProps xmlns:ask="http://schemas.microsoft.com/office/drawing/2018/sketchyshapes" sd="1219033472">
+                  <a:prstGeom prst="rect">
+                    <a:avLst/>
+                  </a:prstGeom>
+                  <ask:type>
+                    <ask:lineSketchFreehand/>
+                  </ask:type>
+                </ask:lineSketchStyleProps>
+              </a:ext>
+            </a:extLst>
+          </a:ln>
+        </p:spPr>
+        <p:txBody>
+          <a:bodyPr wrap="square">
+            <a:spAutoFit/>
+          </a:bodyPr>
+          <a:lstStyle/>
+          <a:p>
+            <a:endParaRPr lang="en-US" sz="1600" dirty="0">
+              <a:latin typeface="Consolas" panose="020B0609020204030204" pitchFamily="49" charset="0"/>
+              <a:cs typeface="Consolas" panose="020B0609020204030204" pitchFamily="49" charset="0"/>
+            </a:endParaRPr>
+          </a:p>
+          <a:p>
+            <a:r>
+              <a:rPr lang="en-US" sz="1600" dirty="0">
+                <a:highlight>
+                  <a:srgbClr val="00FFFF"/>
+                </a:highlight>
+                <a:latin typeface="Consolas" panose="020B0609020204030204" pitchFamily="49" charset="0"/>
+                <a:cs typeface="Consolas" panose="020B0609020204030204" pitchFamily="49" charset="0"/>
+              </a:rPr>
+              <a:t>return n * -1</a:t>
+            </a:r>
+          </a:p>
+        </p:txBody>
+      </p:sp>
+      <p:sp>
+        <p:nvSpPr>
+          <p:cNvPr id="36" name="Rectangle 35">
+            <a:extLst>
+              <a:ext uri="{FF2B5EF4-FFF2-40B4-BE49-F238E27FC236}">
+                <a16:creationId xmlns:a16="http://schemas.microsoft.com/office/drawing/2014/main" id="{74DA99C7-4DAE-8B47-9EE2-AAC1A4C4BEEC}"/>
+              </a:ext>
+            </a:extLst>
+          </p:cNvPr>
+          <p:cNvSpPr/>
+          <p:nvPr/>
+        </p:nvSpPr>
+        <p:spPr>
+          <a:xfrm>
+            <a:off x="11841070" y="4871586"/>
+            <a:ext cx="288242" cy="338554"/>
+          </a:xfrm>
+          <a:custGeom>
+            <a:avLst/>
+            <a:gdLst>
+              <a:gd name="connsiteX0" fmla="*/ 0 w 288242"/>
+              <a:gd name="connsiteY0" fmla="*/ 0 h 338554"/>
+              <a:gd name="connsiteX1" fmla="*/ 288242 w 288242"/>
+              <a:gd name="connsiteY1" fmla="*/ 0 h 338554"/>
+              <a:gd name="connsiteX2" fmla="*/ 288242 w 288242"/>
+              <a:gd name="connsiteY2" fmla="*/ 338554 h 338554"/>
+              <a:gd name="connsiteX3" fmla="*/ 0 w 288242"/>
+              <a:gd name="connsiteY3" fmla="*/ 338554 h 338554"/>
+              <a:gd name="connsiteX4" fmla="*/ 0 w 288242"/>
+              <a:gd name="connsiteY4" fmla="*/ 0 h 338554"/>
+            </a:gdLst>
+            <a:ahLst/>
+            <a:cxnLst>
+              <a:cxn ang="0">
+                <a:pos x="connsiteX0" y="connsiteY0"/>
+              </a:cxn>
+              <a:cxn ang="0">
+                <a:pos x="connsiteX1" y="connsiteY1"/>
+              </a:cxn>
+              <a:cxn ang="0">
+                <a:pos x="connsiteX2" y="connsiteY2"/>
+              </a:cxn>
+              <a:cxn ang="0">
+                <a:pos x="connsiteX3" y="connsiteY3"/>
+              </a:cxn>
+              <a:cxn ang="0">
+                <a:pos x="connsiteX4" y="connsiteY4"/>
+              </a:cxn>
+            </a:cxnLst>
+            <a:rect l="l" t="t" r="r" b="b"/>
+            <a:pathLst>
+              <a:path w="288242" h="338554" fill="none" extrusionOk="0">
+                <a:moveTo>
+                  <a:pt x="0" y="0"/>
+                </a:moveTo>
+                <a:cubicBezTo>
+                  <a:pt x="88189" y="-8671"/>
+                  <a:pt x="201571" y="-8902"/>
+                  <a:pt x="288242" y="0"/>
+                </a:cubicBezTo>
+                <a:cubicBezTo>
+                  <a:pt x="278903" y="93028"/>
+                  <a:pt x="281215" y="183767"/>
+                  <a:pt x="288242" y="338554"/>
+                </a:cubicBezTo>
+                <a:cubicBezTo>
+                  <a:pt x="149051" y="339511"/>
+                  <a:pt x="128712" y="331454"/>
+                  <a:pt x="0" y="338554"/>
+                </a:cubicBezTo>
+                <a:cubicBezTo>
+                  <a:pt x="5472" y="169413"/>
+                  <a:pt x="-13584" y="127303"/>
+                  <a:pt x="0" y="0"/>
+                </a:cubicBezTo>
+                <a:close/>
+              </a:path>
+              <a:path w="288242" h="338554" stroke="0" extrusionOk="0">
+                <a:moveTo>
+                  <a:pt x="0" y="0"/>
+                </a:moveTo>
+                <a:cubicBezTo>
+                  <a:pt x="78719" y="370"/>
+                  <a:pt x="223183" y="-13538"/>
+                  <a:pt x="288242" y="0"/>
+                </a:cubicBezTo>
+                <a:cubicBezTo>
+                  <a:pt x="286091" y="142513"/>
+                  <a:pt x="293970" y="243145"/>
+                  <a:pt x="288242" y="338554"/>
+                </a:cubicBezTo>
+                <a:cubicBezTo>
+                  <a:pt x="217327" y="345719"/>
+                  <a:pt x="90561" y="352781"/>
+                  <a:pt x="0" y="338554"/>
+                </a:cubicBezTo>
+                <a:cubicBezTo>
+                  <a:pt x="-6722" y="246800"/>
+                  <a:pt x="-5886" y="115207"/>
+                  <a:pt x="0" y="0"/>
+                </a:cubicBezTo>
+                <a:close/>
+              </a:path>
+            </a:pathLst>
+          </a:custGeom>
+          <a:ln>
+            <a:solidFill>
+              <a:schemeClr val="tx1"/>
+            </a:solidFill>
+            <a:extLst>
+              <a:ext uri="{C807C97D-BFC1-408E-A445-0C87EB9F89A2}">
+                <ask:lineSketchStyleProps xmlns:ask="http://schemas.microsoft.com/office/drawing/2018/sketchyshapes" sd="1219033472">
+                  <a:prstGeom prst="rect">
+                    <a:avLst/>
+                  </a:prstGeom>
+                  <ask:type>
+                    <ask:lineSketchFreehand/>
+                  </ask:type>
+                </ask:lineSketchStyleProps>
+              </a:ext>
+            </a:extLst>
+          </a:ln>
+        </p:spPr>
+        <p:txBody>
+          <a:bodyPr wrap="square">
+            <a:spAutoFit/>
+          </a:bodyPr>
+          <a:lstStyle/>
+          <a:p>
+            <a:r>
+              <a:rPr lang="en-US" sz="1600" dirty="0">
+                <a:latin typeface="Consolas" panose="020B0609020204030204" pitchFamily="49" charset="0"/>
+                <a:cs typeface="Consolas" panose="020B0609020204030204" pitchFamily="49" charset="0"/>
+              </a:rPr>
+              <a:t>3</a:t>
+            </a:r>
+          </a:p>
+        </p:txBody>
+      </p:sp>
+      <p:sp>
+        <p:nvSpPr>
+          <p:cNvPr id="37" name="Rectangle 36">
+            <a:extLst>
+              <a:ext uri="{FF2B5EF4-FFF2-40B4-BE49-F238E27FC236}">
+                <a16:creationId xmlns:a16="http://schemas.microsoft.com/office/drawing/2014/main" id="{5FB71804-DD53-664B-9DAB-13BBF3DB65A0}"/>
+              </a:ext>
+            </a:extLst>
+          </p:cNvPr>
+          <p:cNvSpPr/>
+          <p:nvPr/>
+        </p:nvSpPr>
+        <p:spPr>
+          <a:xfrm>
+            <a:off x="10730969" y="4871586"/>
+            <a:ext cx="1007451" cy="338554"/>
+          </a:xfrm>
+          <a:custGeom>
+            <a:avLst/>
+            <a:gdLst>
+              <a:gd name="connsiteX0" fmla="*/ 0 w 1007451"/>
+              <a:gd name="connsiteY0" fmla="*/ 0 h 338554"/>
+              <a:gd name="connsiteX1" fmla="*/ 493651 w 1007451"/>
+              <a:gd name="connsiteY1" fmla="*/ 0 h 338554"/>
+              <a:gd name="connsiteX2" fmla="*/ 1007451 w 1007451"/>
+              <a:gd name="connsiteY2" fmla="*/ 0 h 338554"/>
+              <a:gd name="connsiteX3" fmla="*/ 1007451 w 1007451"/>
+              <a:gd name="connsiteY3" fmla="*/ 338554 h 338554"/>
+              <a:gd name="connsiteX4" fmla="*/ 533949 w 1007451"/>
+              <a:gd name="connsiteY4" fmla="*/ 338554 h 338554"/>
+              <a:gd name="connsiteX5" fmla="*/ 0 w 1007451"/>
+              <a:gd name="connsiteY5" fmla="*/ 338554 h 338554"/>
+              <a:gd name="connsiteX6" fmla="*/ 0 w 1007451"/>
+              <a:gd name="connsiteY6" fmla="*/ 0 h 338554"/>
+            </a:gdLst>
+            <a:ahLst/>
+            <a:cxnLst>
+              <a:cxn ang="0">
+                <a:pos x="connsiteX0" y="connsiteY0"/>
+              </a:cxn>
+              <a:cxn ang="0">
+                <a:pos x="connsiteX1" y="connsiteY1"/>
+              </a:cxn>
+              <a:cxn ang="0">
+                <a:pos x="connsiteX2" y="connsiteY2"/>
+              </a:cxn>
+              <a:cxn ang="0">
+                <a:pos x="connsiteX3" y="connsiteY3"/>
+              </a:cxn>
+              <a:cxn ang="0">
+                <a:pos x="connsiteX4" y="connsiteY4"/>
+              </a:cxn>
+              <a:cxn ang="0">
+                <a:pos x="connsiteX5" y="connsiteY5"/>
+              </a:cxn>
+              <a:cxn ang="0">
+                <a:pos x="connsiteX6" y="connsiteY6"/>
+              </a:cxn>
+            </a:cxnLst>
+            <a:rect l="l" t="t" r="r" b="b"/>
+            <a:pathLst>
+              <a:path w="1007451" h="338554" fill="none" extrusionOk="0">
+                <a:moveTo>
+                  <a:pt x="0" y="0"/>
+                </a:moveTo>
+                <a:cubicBezTo>
+                  <a:pt x="197969" y="-1443"/>
+                  <a:pt x="266322" y="-7258"/>
+                  <a:pt x="493651" y="0"/>
+                </a:cubicBezTo>
+                <a:cubicBezTo>
+                  <a:pt x="720980" y="7258"/>
+                  <a:pt x="765505" y="14704"/>
+                  <a:pt x="1007451" y="0"/>
+                </a:cubicBezTo>
+                <a:cubicBezTo>
+                  <a:pt x="1007002" y="99080"/>
+                  <a:pt x="1004063" y="190534"/>
+                  <a:pt x="1007451" y="338554"/>
+                </a:cubicBezTo>
+                <a:cubicBezTo>
+                  <a:pt x="904705" y="317926"/>
+                  <a:pt x="661428" y="321831"/>
+                  <a:pt x="533949" y="338554"/>
+                </a:cubicBezTo>
+                <a:cubicBezTo>
+                  <a:pt x="406470" y="355277"/>
+                  <a:pt x="224885" y="333975"/>
+                  <a:pt x="0" y="338554"/>
+                </a:cubicBezTo>
+                <a:cubicBezTo>
+                  <a:pt x="784" y="208727"/>
+                  <a:pt x="-15516" y="75634"/>
+                  <a:pt x="0" y="0"/>
+                </a:cubicBezTo>
+                <a:close/>
+              </a:path>
+              <a:path w="1007451" h="338554" stroke="0" extrusionOk="0">
+                <a:moveTo>
+                  <a:pt x="0" y="0"/>
+                </a:moveTo>
+                <a:cubicBezTo>
+                  <a:pt x="162547" y="22754"/>
+                  <a:pt x="304641" y="10594"/>
+                  <a:pt x="493651" y="0"/>
+                </a:cubicBezTo>
+                <a:cubicBezTo>
+                  <a:pt x="682661" y="-10594"/>
+                  <a:pt x="860506" y="21351"/>
+                  <a:pt x="1007451" y="0"/>
+                </a:cubicBezTo>
+                <a:cubicBezTo>
+                  <a:pt x="998493" y="134781"/>
+                  <a:pt x="1000536" y="266098"/>
+                  <a:pt x="1007451" y="338554"/>
+                </a:cubicBezTo>
+                <a:cubicBezTo>
+                  <a:pt x="863362" y="335088"/>
+                  <a:pt x="738591" y="342472"/>
+                  <a:pt x="493651" y="338554"/>
+                </a:cubicBezTo>
+                <a:cubicBezTo>
+                  <a:pt x="248711" y="334636"/>
+                  <a:pt x="147818" y="347632"/>
+                  <a:pt x="0" y="338554"/>
+                </a:cubicBezTo>
+                <a:cubicBezTo>
+                  <a:pt x="818" y="176047"/>
+                  <a:pt x="-1861" y="132783"/>
+                  <a:pt x="0" y="0"/>
+                </a:cubicBezTo>
+                <a:close/>
+              </a:path>
+            </a:pathLst>
+          </a:custGeom>
+          <a:ln>
+            <a:solidFill>
+              <a:schemeClr val="tx1"/>
+            </a:solidFill>
+            <a:extLst>
+              <a:ext uri="{C807C97D-BFC1-408E-A445-0C87EB9F89A2}">
+                <ask:lineSketchStyleProps xmlns:ask="http://schemas.microsoft.com/office/drawing/2018/sketchyshapes" sd="910468536">
+                  <a:prstGeom prst="rect">
+                    <a:avLst/>
+                  </a:prstGeom>
+                  <ask:type>
+                    <ask:lineSketchFreehand/>
+                  </ask:type>
+                </ask:lineSketchStyleProps>
+              </a:ext>
+            </a:extLst>
+          </a:ln>
+        </p:spPr>
+        <p:txBody>
+          <a:bodyPr wrap="square">
+            <a:spAutoFit/>
+          </a:bodyPr>
+          <a:lstStyle/>
+          <a:p>
+            <a:r>
+              <a:rPr lang="en-US" sz="1600" dirty="0">
+                <a:latin typeface="Consolas" panose="020B0609020204030204" pitchFamily="49" charset="0"/>
+                <a:cs typeface="Consolas" panose="020B0609020204030204" pitchFamily="49" charset="0"/>
+              </a:rPr>
+              <a:t>n : -3</a:t>
             </a:r>
           </a:p>
         </p:txBody>
@@ -7253,7 +9135,15 @@
             </a:r>
             <a:r>
               <a:rPr lang="en-US" dirty="0"/>
-              <a:t>"C" (it has unexpected behavior) when called with points = 85?</a:t>
+              <a:t>"B" (it has unexpected behavior) when called </a:t>
+            </a:r>
+            <a:r>
+              <a:rPr lang="en-US"/>
+              <a:t>with 85</a:t>
+            </a:r>
+            <a:r>
+              <a:rPr lang="en-US" dirty="0"/>
+              <a:t>?</a:t>
             </a:r>
           </a:p>
           <a:p>
@@ -8078,6 +9968,9 @@
             </a:pPr>
             <a:r>
               <a:rPr lang="en-US" dirty="0">
+                <a:highlight>
+                  <a:srgbClr val="00FFFF"/>
+                </a:highlight>
                 <a:latin typeface="Consolas" panose="020B0609020204030204" pitchFamily="49" charset="0"/>
                 <a:cs typeface="Consolas" panose="020B0609020204030204" pitchFamily="49" charset="0"/>
               </a:rPr>
@@ -8085,6 +9978,9 @@
             </a:r>
             <a:r>
               <a:rPr lang="en-US" dirty="0" err="1">
+                <a:highlight>
+                  <a:srgbClr val="00FFFF"/>
+                </a:highlight>
                 <a:latin typeface="Consolas" panose="020B0609020204030204" pitchFamily="49" charset="0"/>
                 <a:cs typeface="Consolas" panose="020B0609020204030204" pitchFamily="49" charset="0"/>
               </a:rPr>
@@ -8092,6 +9988,9 @@
             </a:r>
             <a:r>
               <a:rPr lang="en-US" dirty="0">
+                <a:highlight>
+                  <a:srgbClr val="00FFFF"/>
+                </a:highlight>
                 <a:latin typeface="Consolas" panose="020B0609020204030204" pitchFamily="49" charset="0"/>
                 <a:cs typeface="Consolas" panose="020B0609020204030204" pitchFamily="49" charset="0"/>
               </a:rPr>
@@ -8355,6 +10254,23 @@
               <a:t>): </a:t>
             </a:r>
             <a:r>
+              <a:rPr lang="en-US" dirty="0">
+                <a:highlight>
+                  <a:srgbClr val="FF0000"/>
+                </a:highlight>
+                <a:latin typeface="Consolas" panose="020B0609020204030204" pitchFamily="49" charset="0"/>
+                <a:cs typeface="Consolas" panose="020B0609020204030204" pitchFamily="49" charset="0"/>
+              </a:rPr>
+              <a:t>return</a:t>
+            </a:r>
+            <a:r>
+              <a:rPr lang="en-US" dirty="0">
+                <a:latin typeface="Consolas" panose="020B0609020204030204" pitchFamily="49" charset="0"/>
+                <a:cs typeface="Consolas" panose="020B0609020204030204" pitchFamily="49" charset="0"/>
+              </a:rPr>
+              <a:t> </a:t>
+            </a:r>
+            <a:r>
               <a:rPr lang="en-US" dirty="0" err="1">
                 <a:latin typeface="Consolas" panose="020B0609020204030204" pitchFamily="49" charset="0"/>
                 <a:cs typeface="Consolas" panose="020B0609020204030204" pitchFamily="49" charset="0"/>
@@ -8393,7 +10309,7 @@
                 <a:latin typeface="Consolas" panose="020B0609020204030204" pitchFamily="49" charset="0"/>
                 <a:cs typeface="Consolas" panose="020B0609020204030204" pitchFamily="49" charset="0"/>
               </a:rPr>
-              <a:t> * 600</a:t>
+              <a:t> * 600  # not function definitions</a:t>
             </a:r>
           </a:p>
           <a:p>
@@ -8430,6 +10346,9 @@
             </a:pPr>
             <a:r>
               <a:rPr lang="en-US" dirty="0">
+                <a:highlight>
+                  <a:srgbClr val="00FF00"/>
+                </a:highlight>
                 <a:latin typeface="Consolas" panose="020B0609020204030204" pitchFamily="49" charset="0"/>
                 <a:cs typeface="Consolas" panose="020B0609020204030204" pitchFamily="49" charset="0"/>
               </a:rPr>
@@ -8437,6 +10356,9 @@
             </a:r>
             <a:r>
               <a:rPr lang="en-US" dirty="0" err="1">
+                <a:highlight>
+                  <a:srgbClr val="00FF00"/>
+                </a:highlight>
                 <a:latin typeface="Consolas" panose="020B0609020204030204" pitchFamily="49" charset="0"/>
                 <a:cs typeface="Consolas" panose="020B0609020204030204" pitchFamily="49" charset="0"/>
               </a:rPr>
@@ -8444,6 +10366,9 @@
             </a:r>
             <a:r>
               <a:rPr lang="en-US" dirty="0">
+                <a:highlight>
+                  <a:srgbClr val="00FF00"/>
+                </a:highlight>
                 <a:latin typeface="Consolas" panose="020B0609020204030204" pitchFamily="49" charset="0"/>
                 <a:cs typeface="Consolas" panose="020B0609020204030204" pitchFamily="49" charset="0"/>
               </a:rPr>
@@ -8451,6 +10376,9 @@
             </a:r>
             <a:r>
               <a:rPr lang="en-US" dirty="0" err="1">
+                <a:highlight>
+                  <a:srgbClr val="00FF00"/>
+                </a:highlight>
                 <a:latin typeface="Consolas" panose="020B0609020204030204" pitchFamily="49" charset="0"/>
                 <a:cs typeface="Consolas" panose="020B0609020204030204" pitchFamily="49" charset="0"/>
               </a:rPr>
@@ -8458,6 +10386,9 @@
             </a:r>
             <a:r>
               <a:rPr lang="en-US" dirty="0">
+                <a:highlight>
+                  <a:srgbClr val="00FF00"/>
+                </a:highlight>
                 <a:latin typeface="Consolas" panose="020B0609020204030204" pitchFamily="49" charset="0"/>
                 <a:cs typeface="Consolas" panose="020B0609020204030204" pitchFamily="49" charset="0"/>
               </a:rPr>
@@ -8474,7 +10405,7 @@
                 <a:latin typeface="Calibri" panose="020F0502020204030204" pitchFamily="34" charset="0"/>
                 <a:cs typeface="Calibri" panose="020F0502020204030204" pitchFamily="34" charset="0"/>
               </a:rPr>
-              <a:t>None of these are a good implementation</a:t>
+              <a:t>None of these is a good implementation</a:t>
             </a:r>
           </a:p>
           <a:p>
